--- a/app_concept.pptx
+++ b/app_concept.pptx
@@ -5,7 +5,11 @@
     <p:sldMasterId id="2147483648" r:id="rId1"/>
   </p:sldMasterIdLst>
   <p:sldIdLst>
-    <p:sldId id="256" r:id="rId2"/>
+    <p:sldId id="257" r:id="rId2"/>
+    <p:sldId id="258" r:id="rId3"/>
+    <p:sldId id="259" r:id="rId4"/>
+    <p:sldId id="261" r:id="rId5"/>
+    <p:sldId id="256" r:id="rId6"/>
   </p:sldIdLst>
   <p:sldSz cx="12192000" cy="6858000"/>
   <p:notesSz cx="6858000" cy="9144000"/>
@@ -104,6 +108,11 @@
       </a:defRPr>
     </a:lvl9pPr>
   </p:defaultTextStyle>
+  <p:extLst>
+    <p:ext uri="{EFAFB233-063F-42B5-8137-9DF3F51BA10A}">
+      <p15:sldGuideLst xmlns:p15="http://schemas.microsoft.com/office/powerpoint/2012/main"/>
+    </p:ext>
+  </p:extLst>
 </p:presentation>
 </file>
 
@@ -119,23 +128,39 @@
 <pc:chgInfo xmlns:a="http://schemas.openxmlformats.org/drawingml/2006/main" xmlns:r="http://schemas.openxmlformats.org/officeDocument/2006/relationships" xmlns:ac="http://schemas.microsoft.com/office/drawing/2013/main/command" xmlns:pc="http://schemas.microsoft.com/office/powerpoint/2013/main/command">
   <pc:docChgLst>
     <pc:chgData name="Jonathan Jones" userId="2431a80d5eb40e4b" providerId="LiveId" clId="{BFAC3861-DF76-43BE-8F99-E9B344E549B0}"/>
-    <pc:docChg chg="undo custSel modSld">
-      <pc:chgData name="Jonathan Jones" userId="2431a80d5eb40e4b" providerId="LiveId" clId="{BFAC3861-DF76-43BE-8F99-E9B344E549B0}" dt="2022-01-29T22:52:16.527" v="100" actId="1076"/>
+    <pc:docChg chg="undo custSel addSld delSld modSld sldOrd">
+      <pc:chgData name="Jonathan Jones" userId="2431a80d5eb40e4b" providerId="LiveId" clId="{BFAC3861-DF76-43BE-8F99-E9B344E549B0}" dt="2022-01-30T15:07:30.102" v="2226" actId="1076"/>
       <pc:docMkLst>
         <pc:docMk/>
       </pc:docMkLst>
-      <pc:sldChg chg="addSp delSp modSp mod">
-        <pc:chgData name="Jonathan Jones" userId="2431a80d5eb40e4b" providerId="LiveId" clId="{BFAC3861-DF76-43BE-8F99-E9B344E549B0}" dt="2022-01-29T22:52:16.527" v="100" actId="1076"/>
+      <pc:sldChg chg="addSp delSp modSp mod ord">
+        <pc:chgData name="Jonathan Jones" userId="2431a80d5eb40e4b" providerId="LiveId" clId="{BFAC3861-DF76-43BE-8F99-E9B344E549B0}" dt="2022-01-30T14:46:32.556" v="1115" actId="1076"/>
         <pc:sldMkLst>
           <pc:docMk/>
           <pc:sldMk cId="2508121378" sldId="256"/>
         </pc:sldMkLst>
+        <pc:spChg chg="add mod">
+          <ac:chgData name="Jonathan Jones" userId="2431a80d5eb40e4b" providerId="LiveId" clId="{BFAC3861-DF76-43BE-8F99-E9B344E549B0}" dt="2022-01-30T14:46:32.556" v="1115" actId="1076"/>
+          <ac:spMkLst>
+            <pc:docMk/>
+            <pc:sldMk cId="2508121378" sldId="256"/>
+            <ac:spMk id="2" creationId="{0E2956E0-B42B-4168-A55C-D568A505E19F}"/>
+          </ac:spMkLst>
+        </pc:spChg>
         <pc:spChg chg="add del mod ord">
           <ac:chgData name="Jonathan Jones" userId="2431a80d5eb40e4b" providerId="LiveId" clId="{BFAC3861-DF76-43BE-8F99-E9B344E549B0}" dt="2022-01-29T22:50:42.533" v="34" actId="1076"/>
           <ac:spMkLst>
             <pc:docMk/>
             <pc:sldMk cId="2508121378" sldId="256"/>
             <ac:spMk id="6" creationId="{E668E2D6-26D6-4A13-A959-FB2FE905F39B}"/>
+          </ac:spMkLst>
+        </pc:spChg>
+        <pc:spChg chg="add mod">
+          <ac:chgData name="Jonathan Jones" userId="2431a80d5eb40e4b" providerId="LiveId" clId="{BFAC3861-DF76-43BE-8F99-E9B344E549B0}" dt="2022-01-30T14:46:29.612" v="1114" actId="1076"/>
+          <ac:spMkLst>
+            <pc:docMk/>
+            <pc:sldMk cId="2508121378" sldId="256"/>
+            <ac:spMk id="21" creationId="{17AC59C3-7921-4DCA-8890-6EC7D477F7D5}"/>
           </ac:spMkLst>
         </pc:spChg>
         <pc:spChg chg="add del mod">
@@ -200,6 +225,473 @@
             <pc:docMk/>
             <pc:sldMk cId="2508121378" sldId="256"/>
             <ac:picMk id="26" creationId="{B5B34BC5-EE0D-4F90-8CF3-778B675559FB}"/>
+          </ac:picMkLst>
+        </pc:picChg>
+      </pc:sldChg>
+      <pc:sldChg chg="addSp delSp modSp new mod">
+        <pc:chgData name="Jonathan Jones" userId="2431a80d5eb40e4b" providerId="LiveId" clId="{BFAC3861-DF76-43BE-8F99-E9B344E549B0}" dt="2022-01-30T15:06:30.459" v="2215" actId="20577"/>
+        <pc:sldMkLst>
+          <pc:docMk/>
+          <pc:sldMk cId="2172657703" sldId="257"/>
+        </pc:sldMkLst>
+        <pc:spChg chg="del">
+          <ac:chgData name="Jonathan Jones" userId="2431a80d5eb40e4b" providerId="LiveId" clId="{BFAC3861-DF76-43BE-8F99-E9B344E549B0}" dt="2022-01-30T14:27:45.748" v="102" actId="478"/>
+          <ac:spMkLst>
+            <pc:docMk/>
+            <pc:sldMk cId="2172657703" sldId="257"/>
+            <ac:spMk id="2" creationId="{12BCC8FE-3440-4182-824A-3055E357C1B7}"/>
+          </ac:spMkLst>
+        </pc:spChg>
+        <pc:spChg chg="del">
+          <ac:chgData name="Jonathan Jones" userId="2431a80d5eb40e4b" providerId="LiveId" clId="{BFAC3861-DF76-43BE-8F99-E9B344E549B0}" dt="2022-01-30T14:27:46.729" v="103" actId="478"/>
+          <ac:spMkLst>
+            <pc:docMk/>
+            <pc:sldMk cId="2172657703" sldId="257"/>
+            <ac:spMk id="3" creationId="{8F34E2DE-D923-47FC-BA4A-1910954E3A5B}"/>
+          </ac:spMkLst>
+        </pc:spChg>
+        <pc:spChg chg="add mod">
+          <ac:chgData name="Jonathan Jones" userId="2431a80d5eb40e4b" providerId="LiveId" clId="{BFAC3861-DF76-43BE-8F99-E9B344E549B0}" dt="2022-01-30T15:06:26.229" v="2208" actId="1076"/>
+          <ac:spMkLst>
+            <pc:docMk/>
+            <pc:sldMk cId="2172657703" sldId="257"/>
+            <ac:spMk id="4" creationId="{0E63D947-6A2F-4178-912D-AC9B7E26185D}"/>
+          </ac:spMkLst>
+        </pc:spChg>
+        <pc:spChg chg="add mod">
+          <ac:chgData name="Jonathan Jones" userId="2431a80d5eb40e4b" providerId="LiveId" clId="{BFAC3861-DF76-43BE-8F99-E9B344E549B0}" dt="2022-01-30T15:06:30.459" v="2215" actId="20577"/>
+          <ac:spMkLst>
+            <pc:docMk/>
+            <pc:sldMk cId="2172657703" sldId="257"/>
+            <ac:spMk id="5" creationId="{8C706C3D-C2DC-42D8-98B4-BD55264BE906}"/>
+          </ac:spMkLst>
+        </pc:spChg>
+        <pc:spChg chg="add mod">
+          <ac:chgData name="Jonathan Jones" userId="2431a80d5eb40e4b" providerId="LiveId" clId="{BFAC3861-DF76-43BE-8F99-E9B344E549B0}" dt="2022-01-30T14:44:34.983" v="988" actId="113"/>
+          <ac:spMkLst>
+            <pc:docMk/>
+            <pc:sldMk cId="2172657703" sldId="257"/>
+            <ac:spMk id="6" creationId="{17814F79-B978-47C4-A909-48D484FEC96B}"/>
+          </ac:spMkLst>
+        </pc:spChg>
+        <pc:spChg chg="add mod">
+          <ac:chgData name="Jonathan Jones" userId="2431a80d5eb40e4b" providerId="LiveId" clId="{BFAC3861-DF76-43BE-8F99-E9B344E549B0}" dt="2022-01-30T15:06:20.261" v="2206" actId="1076"/>
+          <ac:spMkLst>
+            <pc:docMk/>
+            <pc:sldMk cId="2172657703" sldId="257"/>
+            <ac:spMk id="7" creationId="{39B6A681-9E0B-4716-B03D-B2B8D56FFF50}"/>
+          </ac:spMkLst>
+        </pc:spChg>
+        <pc:spChg chg="add mod">
+          <ac:chgData name="Jonathan Jones" userId="2431a80d5eb40e4b" providerId="LiveId" clId="{BFAC3861-DF76-43BE-8F99-E9B344E549B0}" dt="2022-01-30T15:06:24.229" v="2207" actId="1076"/>
+          <ac:spMkLst>
+            <pc:docMk/>
+            <pc:sldMk cId="2172657703" sldId="257"/>
+            <ac:spMk id="8" creationId="{3B5EA7E2-2417-4B11-B25C-42806824545C}"/>
+          </ac:spMkLst>
+        </pc:spChg>
+        <pc:spChg chg="add del mod">
+          <ac:chgData name="Jonathan Jones" userId="2431a80d5eb40e4b" providerId="LiveId" clId="{BFAC3861-DF76-43BE-8F99-E9B344E549B0}" dt="2022-01-30T14:57:26.345" v="1606" actId="478"/>
+          <ac:spMkLst>
+            <pc:docMk/>
+            <pc:sldMk cId="2172657703" sldId="257"/>
+            <ac:spMk id="9" creationId="{AC3C848C-37CB-4F48-BD1F-EBFD9B1296F2}"/>
+          </ac:spMkLst>
+        </pc:spChg>
+        <pc:spChg chg="add del mod">
+          <ac:chgData name="Jonathan Jones" userId="2431a80d5eb40e4b" providerId="LiveId" clId="{BFAC3861-DF76-43BE-8F99-E9B344E549B0}" dt="2022-01-30T14:57:27.345" v="1607" actId="478"/>
+          <ac:spMkLst>
+            <pc:docMk/>
+            <pc:sldMk cId="2172657703" sldId="257"/>
+            <ac:spMk id="12" creationId="{FA243E4A-9C16-4D53-9DA2-E397FBAE1318}"/>
+          </ac:spMkLst>
+        </pc:spChg>
+        <pc:spChg chg="add del">
+          <ac:chgData name="Jonathan Jones" userId="2431a80d5eb40e4b" providerId="LiveId" clId="{BFAC3861-DF76-43BE-8F99-E9B344E549B0}" dt="2022-01-30T14:57:28.560" v="1609" actId="478"/>
+          <ac:spMkLst>
+            <pc:docMk/>
+            <pc:sldMk cId="2172657703" sldId="257"/>
+            <ac:spMk id="13" creationId="{7F98B405-714E-4F6A-BD23-B1E616FE9713}"/>
+          </ac:spMkLst>
+        </pc:spChg>
+        <pc:spChg chg="add del mod">
+          <ac:chgData name="Jonathan Jones" userId="2431a80d5eb40e4b" providerId="LiveId" clId="{BFAC3861-DF76-43BE-8F99-E9B344E549B0}" dt="2022-01-30T14:57:29.626" v="1610" actId="478"/>
+          <ac:spMkLst>
+            <pc:docMk/>
+            <pc:sldMk cId="2172657703" sldId="257"/>
+            <ac:spMk id="14" creationId="{ED88BC8D-4D5E-4868-9022-18F203E1CBD4}"/>
+          </ac:spMkLst>
+        </pc:spChg>
+        <pc:spChg chg="add del mod">
+          <ac:chgData name="Jonathan Jones" userId="2431a80d5eb40e4b" providerId="LiveId" clId="{BFAC3861-DF76-43BE-8F99-E9B344E549B0}" dt="2022-01-30T14:57:30.653" v="1611" actId="478"/>
+          <ac:spMkLst>
+            <pc:docMk/>
+            <pc:sldMk cId="2172657703" sldId="257"/>
+            <ac:spMk id="15" creationId="{0402D6D1-61C6-455C-8D75-B42805CB91DB}"/>
+          </ac:spMkLst>
+        </pc:spChg>
+        <pc:picChg chg="add del mod">
+          <ac:chgData name="Jonathan Jones" userId="2431a80d5eb40e4b" providerId="LiveId" clId="{BFAC3861-DF76-43BE-8F99-E9B344E549B0}" dt="2022-01-30T14:57:27.734" v="1608" actId="478"/>
+          <ac:picMkLst>
+            <pc:docMk/>
+            <pc:sldMk cId="2172657703" sldId="257"/>
+            <ac:picMk id="11" creationId="{32C4F82D-A011-49A3-9D19-470A2E54F36B}"/>
+          </ac:picMkLst>
+        </pc:picChg>
+      </pc:sldChg>
+      <pc:sldChg chg="addSp delSp modSp mod">
+        <pc:chgData name="Jonathan Jones" userId="2431a80d5eb40e4b" providerId="LiveId" clId="{BFAC3861-DF76-43BE-8F99-E9B344E549B0}" dt="2022-01-30T14:50:49.244" v="1337" actId="20577"/>
+        <pc:sldMkLst>
+          <pc:docMk/>
+          <pc:sldMk cId="1162984911" sldId="258"/>
+        </pc:sldMkLst>
+        <pc:spChg chg="del">
+          <ac:chgData name="Jonathan Jones" userId="2431a80d5eb40e4b" providerId="LiveId" clId="{BFAC3861-DF76-43BE-8F99-E9B344E549B0}" dt="2022-01-30T14:47:27.285" v="1117" actId="478"/>
+          <ac:spMkLst>
+            <pc:docMk/>
+            <pc:sldMk cId="1162984911" sldId="258"/>
+            <ac:spMk id="4" creationId="{0E63D947-6A2F-4178-912D-AC9B7E26185D}"/>
+          </ac:spMkLst>
+        </pc:spChg>
+        <pc:spChg chg="del">
+          <ac:chgData name="Jonathan Jones" userId="2431a80d5eb40e4b" providerId="LiveId" clId="{BFAC3861-DF76-43BE-8F99-E9B344E549B0}" dt="2022-01-30T14:47:25.539" v="1116" actId="478"/>
+          <ac:spMkLst>
+            <pc:docMk/>
+            <pc:sldMk cId="1162984911" sldId="258"/>
+            <ac:spMk id="5" creationId="{8C706C3D-C2DC-42D8-98B4-BD55264BE906}"/>
+          </ac:spMkLst>
+        </pc:spChg>
+        <pc:spChg chg="del">
+          <ac:chgData name="Jonathan Jones" userId="2431a80d5eb40e4b" providerId="LiveId" clId="{BFAC3861-DF76-43BE-8F99-E9B344E549B0}" dt="2022-01-30T14:47:25.539" v="1116" actId="478"/>
+          <ac:spMkLst>
+            <pc:docMk/>
+            <pc:sldMk cId="1162984911" sldId="258"/>
+            <ac:spMk id="6" creationId="{17814F79-B978-47C4-A909-48D484FEC96B}"/>
+          </ac:spMkLst>
+        </pc:spChg>
+        <pc:spChg chg="del">
+          <ac:chgData name="Jonathan Jones" userId="2431a80d5eb40e4b" providerId="LiveId" clId="{BFAC3861-DF76-43BE-8F99-E9B344E549B0}" dt="2022-01-30T14:47:32.142" v="1119" actId="478"/>
+          <ac:spMkLst>
+            <pc:docMk/>
+            <pc:sldMk cId="1162984911" sldId="258"/>
+            <ac:spMk id="7" creationId="{39B6A681-9E0B-4716-B03D-B2B8D56FFF50}"/>
+          </ac:spMkLst>
+        </pc:spChg>
+        <pc:spChg chg="mod">
+          <ac:chgData name="Jonathan Jones" userId="2431a80d5eb40e4b" providerId="LiveId" clId="{BFAC3861-DF76-43BE-8F99-E9B344E549B0}" dt="2022-01-30T14:47:34.326" v="1120" actId="1076"/>
+          <ac:spMkLst>
+            <pc:docMk/>
+            <pc:sldMk cId="1162984911" sldId="258"/>
+            <ac:spMk id="8" creationId="{3B5EA7E2-2417-4B11-B25C-42806824545C}"/>
+          </ac:spMkLst>
+        </pc:spChg>
+        <pc:spChg chg="del">
+          <ac:chgData name="Jonathan Jones" userId="2431a80d5eb40e4b" providerId="LiveId" clId="{BFAC3861-DF76-43BE-8F99-E9B344E549B0}" dt="2022-01-30T14:47:32.142" v="1119" actId="478"/>
+          <ac:spMkLst>
+            <pc:docMk/>
+            <pc:sldMk cId="1162984911" sldId="258"/>
+            <ac:spMk id="9" creationId="{AC3C848C-37CB-4F48-BD1F-EBFD9B1296F2}"/>
+          </ac:spMkLst>
+        </pc:spChg>
+        <pc:spChg chg="del">
+          <ac:chgData name="Jonathan Jones" userId="2431a80d5eb40e4b" providerId="LiveId" clId="{BFAC3861-DF76-43BE-8F99-E9B344E549B0}" dt="2022-01-30T14:47:32.142" v="1119" actId="478"/>
+          <ac:spMkLst>
+            <pc:docMk/>
+            <pc:sldMk cId="1162984911" sldId="258"/>
+            <ac:spMk id="12" creationId="{FA243E4A-9C16-4D53-9DA2-E397FBAE1318}"/>
+          </ac:spMkLst>
+        </pc:spChg>
+        <pc:spChg chg="del">
+          <ac:chgData name="Jonathan Jones" userId="2431a80d5eb40e4b" providerId="LiveId" clId="{BFAC3861-DF76-43BE-8F99-E9B344E549B0}" dt="2022-01-30T14:47:32.142" v="1119" actId="478"/>
+          <ac:spMkLst>
+            <pc:docMk/>
+            <pc:sldMk cId="1162984911" sldId="258"/>
+            <ac:spMk id="13" creationId="{7F98B405-714E-4F6A-BD23-B1E616FE9713}"/>
+          </ac:spMkLst>
+        </pc:spChg>
+        <pc:spChg chg="del">
+          <ac:chgData name="Jonathan Jones" userId="2431a80d5eb40e4b" providerId="LiveId" clId="{BFAC3861-DF76-43BE-8F99-E9B344E549B0}" dt="2022-01-30T14:47:32.142" v="1119" actId="478"/>
+          <ac:spMkLst>
+            <pc:docMk/>
+            <pc:sldMk cId="1162984911" sldId="258"/>
+            <ac:spMk id="14" creationId="{ED88BC8D-4D5E-4868-9022-18F203E1CBD4}"/>
+          </ac:spMkLst>
+        </pc:spChg>
+        <pc:spChg chg="del">
+          <ac:chgData name="Jonathan Jones" userId="2431a80d5eb40e4b" providerId="LiveId" clId="{BFAC3861-DF76-43BE-8F99-E9B344E549B0}" dt="2022-01-30T14:47:32.142" v="1119" actId="478"/>
+          <ac:spMkLst>
+            <pc:docMk/>
+            <pc:sldMk cId="1162984911" sldId="258"/>
+            <ac:spMk id="15" creationId="{0402D6D1-61C6-455C-8D75-B42805CB91DB}"/>
+          </ac:spMkLst>
+        </pc:spChg>
+        <pc:spChg chg="add mod">
+          <ac:chgData name="Jonathan Jones" userId="2431a80d5eb40e4b" providerId="LiveId" clId="{BFAC3861-DF76-43BE-8F99-E9B344E549B0}" dt="2022-01-30T14:49:59.910" v="1211" actId="1076"/>
+          <ac:spMkLst>
+            <pc:docMk/>
+            <pc:sldMk cId="1162984911" sldId="258"/>
+            <ac:spMk id="17" creationId="{BD205D67-16E4-4230-9138-863EB020AD5C}"/>
+          </ac:spMkLst>
+        </pc:spChg>
+        <pc:spChg chg="add mod">
+          <ac:chgData name="Jonathan Jones" userId="2431a80d5eb40e4b" providerId="LiveId" clId="{BFAC3861-DF76-43BE-8F99-E9B344E549B0}" dt="2022-01-30T14:50:49.244" v="1337" actId="20577"/>
+          <ac:spMkLst>
+            <pc:docMk/>
+            <pc:sldMk cId="1162984911" sldId="258"/>
+            <ac:spMk id="18" creationId="{DF256ABE-D69A-4990-AC10-3546F67ABF42}"/>
+          </ac:spMkLst>
+        </pc:spChg>
+        <pc:picChg chg="add mod">
+          <ac:chgData name="Jonathan Jones" userId="2431a80d5eb40e4b" providerId="LiveId" clId="{BFAC3861-DF76-43BE-8F99-E9B344E549B0}" dt="2022-01-30T14:50:03.741" v="1212" actId="14100"/>
+          <ac:picMkLst>
+            <pc:docMk/>
+            <pc:sldMk cId="1162984911" sldId="258"/>
+            <ac:picMk id="3" creationId="{95AC1442-E57B-4BAD-B73F-6FDE8151A480}"/>
+          </ac:picMkLst>
+        </pc:picChg>
+        <pc:picChg chg="del">
+          <ac:chgData name="Jonathan Jones" userId="2431a80d5eb40e4b" providerId="LiveId" clId="{BFAC3861-DF76-43BE-8F99-E9B344E549B0}" dt="2022-01-30T14:47:32.142" v="1119" actId="478"/>
+          <ac:picMkLst>
+            <pc:docMk/>
+            <pc:sldMk cId="1162984911" sldId="258"/>
+            <ac:picMk id="11" creationId="{32C4F82D-A011-49A3-9D19-470A2E54F36B}"/>
+          </ac:picMkLst>
+        </pc:picChg>
+        <pc:picChg chg="add mod">
+          <ac:chgData name="Jonathan Jones" userId="2431a80d5eb40e4b" providerId="LiveId" clId="{BFAC3861-DF76-43BE-8F99-E9B344E549B0}" dt="2022-01-30T14:50:06.814" v="1213" actId="1076"/>
+          <ac:picMkLst>
+            <pc:docMk/>
+            <pc:sldMk cId="1162984911" sldId="258"/>
+            <ac:picMk id="16" creationId="{A055D144-2F32-4AA6-999F-14F720768648}"/>
+          </ac:picMkLst>
+        </pc:picChg>
+      </pc:sldChg>
+      <pc:sldChg chg="addSp delSp modSp mod">
+        <pc:chgData name="Jonathan Jones" userId="2431a80d5eb40e4b" providerId="LiveId" clId="{BFAC3861-DF76-43BE-8F99-E9B344E549B0}" dt="2022-01-30T14:56:35.121" v="1604" actId="20577"/>
+        <pc:sldMkLst>
+          <pc:docMk/>
+          <pc:sldMk cId="1711734631" sldId="259"/>
+        </pc:sldMkLst>
+        <pc:spChg chg="add mod">
+          <ac:chgData name="Jonathan Jones" userId="2431a80d5eb40e4b" providerId="LiveId" clId="{BFAC3861-DF76-43BE-8F99-E9B344E549B0}" dt="2022-01-30T14:52:23.078" v="1447" actId="1076"/>
+          <ac:spMkLst>
+            <pc:docMk/>
+            <pc:sldMk cId="1711734631" sldId="259"/>
+            <ac:spMk id="5" creationId="{C4AA24AE-F3B6-4427-98DC-26209290BDF8}"/>
+          </ac:spMkLst>
+        </pc:spChg>
+        <pc:spChg chg="add mod">
+          <ac:chgData name="Jonathan Jones" userId="2431a80d5eb40e4b" providerId="LiveId" clId="{BFAC3861-DF76-43BE-8F99-E9B344E549B0}" dt="2022-01-30T14:54:46.367" v="1520" actId="688"/>
+          <ac:spMkLst>
+            <pc:docMk/>
+            <pc:sldMk cId="1711734631" sldId="259"/>
+            <ac:spMk id="6" creationId="{1C7F6C61-06DB-4D41-B4D4-F3498CC04564}"/>
+          </ac:spMkLst>
+        </pc:spChg>
+        <pc:spChg chg="add mod">
+          <ac:chgData name="Jonathan Jones" userId="2431a80d5eb40e4b" providerId="LiveId" clId="{BFAC3861-DF76-43BE-8F99-E9B344E549B0}" dt="2022-01-30T14:54:48.463" v="1521" actId="1076"/>
+          <ac:spMkLst>
+            <pc:docMk/>
+            <pc:sldMk cId="1711734631" sldId="259"/>
+            <ac:spMk id="7" creationId="{25851D22-CD4B-4DB6-B1C3-29DD8B25C077}"/>
+          </ac:spMkLst>
+        </pc:spChg>
+        <pc:spChg chg="add mod">
+          <ac:chgData name="Jonathan Jones" userId="2431a80d5eb40e4b" providerId="LiveId" clId="{BFAC3861-DF76-43BE-8F99-E9B344E549B0}" dt="2022-01-30T14:55:43.058" v="1529" actId="208"/>
+          <ac:spMkLst>
+            <pc:docMk/>
+            <pc:sldMk cId="1711734631" sldId="259"/>
+            <ac:spMk id="9" creationId="{26DC9622-6057-497C-8A14-1B1F5633C2FB}"/>
+          </ac:spMkLst>
+        </pc:spChg>
+        <pc:spChg chg="add mod">
+          <ac:chgData name="Jonathan Jones" userId="2431a80d5eb40e4b" providerId="LiveId" clId="{BFAC3861-DF76-43BE-8F99-E9B344E549B0}" dt="2022-01-30T14:56:35.121" v="1604" actId="20577"/>
+          <ac:spMkLst>
+            <pc:docMk/>
+            <pc:sldMk cId="1711734631" sldId="259"/>
+            <ac:spMk id="11" creationId="{593B9455-B38B-4AFD-BE86-D0ADB3976F5C}"/>
+          </ac:spMkLst>
+        </pc:spChg>
+        <pc:spChg chg="add mod">
+          <ac:chgData name="Jonathan Jones" userId="2431a80d5eb40e4b" providerId="LiveId" clId="{BFAC3861-DF76-43BE-8F99-E9B344E549B0}" dt="2022-01-30T14:54:38.310" v="1517" actId="1076"/>
+          <ac:spMkLst>
+            <pc:docMk/>
+            <pc:sldMk cId="1711734631" sldId="259"/>
+            <ac:spMk id="14" creationId="{A56737B0-B70C-4310-94C8-45BC7EA47FA6}"/>
+          </ac:spMkLst>
+        </pc:spChg>
+        <pc:spChg chg="add mod">
+          <ac:chgData name="Jonathan Jones" userId="2431a80d5eb40e4b" providerId="LiveId" clId="{BFAC3861-DF76-43BE-8F99-E9B344E549B0}" dt="2022-01-30T14:55:00.791" v="1526" actId="14100"/>
+          <ac:spMkLst>
+            <pc:docMk/>
+            <pc:sldMk cId="1711734631" sldId="259"/>
+            <ac:spMk id="15" creationId="{5482C0FD-1175-45BD-8FB3-A1DFC046A30F}"/>
+          </ac:spMkLst>
+        </pc:spChg>
+        <pc:spChg chg="del">
+          <ac:chgData name="Jonathan Jones" userId="2431a80d5eb40e4b" providerId="LiveId" clId="{BFAC3861-DF76-43BE-8F99-E9B344E549B0}" dt="2022-01-30T14:51:21.237" v="1339" actId="478"/>
+          <ac:spMkLst>
+            <pc:docMk/>
+            <pc:sldMk cId="1711734631" sldId="259"/>
+            <ac:spMk id="17" creationId="{BD205D67-16E4-4230-9138-863EB020AD5C}"/>
+          </ac:spMkLst>
+        </pc:spChg>
+        <pc:spChg chg="del">
+          <ac:chgData name="Jonathan Jones" userId="2431a80d5eb40e4b" providerId="LiveId" clId="{BFAC3861-DF76-43BE-8F99-E9B344E549B0}" dt="2022-01-30T14:51:22.527" v="1340" actId="478"/>
+          <ac:spMkLst>
+            <pc:docMk/>
+            <pc:sldMk cId="1711734631" sldId="259"/>
+            <ac:spMk id="18" creationId="{DF256ABE-D69A-4990-AC10-3546F67ABF42}"/>
+          </ac:spMkLst>
+        </pc:spChg>
+        <pc:spChg chg="add mod">
+          <ac:chgData name="Jonathan Jones" userId="2431a80d5eb40e4b" providerId="LiveId" clId="{BFAC3861-DF76-43BE-8F99-E9B344E549B0}" dt="2022-01-30T14:55:56.376" v="1534" actId="688"/>
+          <ac:spMkLst>
+            <pc:docMk/>
+            <pc:sldMk cId="1711734631" sldId="259"/>
+            <ac:spMk id="19" creationId="{0E0DE975-B0B9-4F94-BC2E-A2E09699EB44}"/>
+          </ac:spMkLst>
+        </pc:spChg>
+        <pc:spChg chg="add mod">
+          <ac:chgData name="Jonathan Jones" userId="2431a80d5eb40e4b" providerId="LiveId" clId="{BFAC3861-DF76-43BE-8F99-E9B344E549B0}" dt="2022-01-30T14:56:20.840" v="1594" actId="1076"/>
+          <ac:spMkLst>
+            <pc:docMk/>
+            <pc:sldMk cId="1711734631" sldId="259"/>
+            <ac:spMk id="20" creationId="{0911CB9F-3A35-416C-A552-7BDB80652B52}"/>
+          </ac:spMkLst>
+        </pc:spChg>
+        <pc:picChg chg="del">
+          <ac:chgData name="Jonathan Jones" userId="2431a80d5eb40e4b" providerId="LiveId" clId="{BFAC3861-DF76-43BE-8F99-E9B344E549B0}" dt="2022-01-30T14:51:19.762" v="1338" actId="478"/>
+          <ac:picMkLst>
+            <pc:docMk/>
+            <pc:sldMk cId="1711734631" sldId="259"/>
+            <ac:picMk id="3" creationId="{95AC1442-E57B-4BAD-B73F-6FDE8151A480}"/>
+          </ac:picMkLst>
+        </pc:picChg>
+        <pc:picChg chg="add mod">
+          <ac:chgData name="Jonathan Jones" userId="2431a80d5eb40e4b" providerId="LiveId" clId="{BFAC3861-DF76-43BE-8F99-E9B344E549B0}" dt="2022-01-30T14:52:24.158" v="1448" actId="1076"/>
+          <ac:picMkLst>
+            <pc:docMk/>
+            <pc:sldMk cId="1711734631" sldId="259"/>
+            <ac:picMk id="4" creationId="{31503529-55B3-4AD7-9C91-4C624334625F}"/>
+          </ac:picMkLst>
+        </pc:picChg>
+        <pc:picChg chg="add mod">
+          <ac:chgData name="Jonathan Jones" userId="2431a80d5eb40e4b" providerId="LiveId" clId="{BFAC3861-DF76-43BE-8F99-E9B344E549B0}" dt="2022-01-30T14:52:53.085" v="1453" actId="1076"/>
+          <ac:picMkLst>
+            <pc:docMk/>
+            <pc:sldMk cId="1711734631" sldId="259"/>
+            <ac:picMk id="10" creationId="{C2E79065-3080-49B5-ABCD-D022CB918EE4}"/>
+          </ac:picMkLst>
+        </pc:picChg>
+        <pc:picChg chg="del">
+          <ac:chgData name="Jonathan Jones" userId="2431a80d5eb40e4b" providerId="LiveId" clId="{BFAC3861-DF76-43BE-8F99-E9B344E549B0}" dt="2022-01-30T14:51:22.789" v="1341" actId="478"/>
+          <ac:picMkLst>
+            <pc:docMk/>
+            <pc:sldMk cId="1711734631" sldId="259"/>
+            <ac:picMk id="16" creationId="{A055D144-2F32-4AA6-999F-14F720768648}"/>
+          </ac:picMkLst>
+        </pc:picChg>
+      </pc:sldChg>
+      <pc:sldChg chg="del">
+        <pc:chgData name="Jonathan Jones" userId="2431a80d5eb40e4b" providerId="LiveId" clId="{BFAC3861-DF76-43BE-8F99-E9B344E549B0}" dt="2022-01-30T14:57:17.653" v="1605" actId="47"/>
+        <pc:sldMkLst>
+          <pc:docMk/>
+          <pc:sldMk cId="2780088881" sldId="260"/>
+        </pc:sldMkLst>
+      </pc:sldChg>
+      <pc:sldChg chg="delSp modSp mod">
+        <pc:chgData name="Jonathan Jones" userId="2431a80d5eb40e4b" providerId="LiveId" clId="{BFAC3861-DF76-43BE-8F99-E9B344E549B0}" dt="2022-01-30T15:07:30.102" v="2226" actId="1076"/>
+        <pc:sldMkLst>
+          <pc:docMk/>
+          <pc:sldMk cId="932381225" sldId="261"/>
+        </pc:sldMkLst>
+        <pc:spChg chg="del mod">
+          <ac:chgData name="Jonathan Jones" userId="2431a80d5eb40e4b" providerId="LiveId" clId="{BFAC3861-DF76-43BE-8F99-E9B344E549B0}" dt="2022-01-30T15:07:07.195" v="2219" actId="478"/>
+          <ac:spMkLst>
+            <pc:docMk/>
+            <pc:sldMk cId="932381225" sldId="261"/>
+            <ac:spMk id="4" creationId="{0E63D947-6A2F-4178-912D-AC9B7E26185D}"/>
+          </ac:spMkLst>
+        </pc:spChg>
+        <pc:spChg chg="del">
+          <ac:chgData name="Jonathan Jones" userId="2431a80d5eb40e4b" providerId="LiveId" clId="{BFAC3861-DF76-43BE-8F99-E9B344E549B0}" dt="2022-01-30T15:07:06.161" v="2217" actId="478"/>
+          <ac:spMkLst>
+            <pc:docMk/>
+            <pc:sldMk cId="932381225" sldId="261"/>
+            <ac:spMk id="5" creationId="{8C706C3D-C2DC-42D8-98B4-BD55264BE906}"/>
+          </ac:spMkLst>
+        </pc:spChg>
+        <pc:spChg chg="del">
+          <ac:chgData name="Jonathan Jones" userId="2431a80d5eb40e4b" providerId="LiveId" clId="{BFAC3861-DF76-43BE-8F99-E9B344E549B0}" dt="2022-01-30T15:07:04.623" v="2216" actId="478"/>
+          <ac:spMkLst>
+            <pc:docMk/>
+            <pc:sldMk cId="932381225" sldId="261"/>
+            <ac:spMk id="6" creationId="{17814F79-B978-47C4-A909-48D484FEC96B}"/>
+          </ac:spMkLst>
+        </pc:spChg>
+        <pc:spChg chg="del">
+          <ac:chgData name="Jonathan Jones" userId="2431a80d5eb40e4b" providerId="LiveId" clId="{BFAC3861-DF76-43BE-8F99-E9B344E549B0}" dt="2022-01-30T15:07:10.549" v="2221" actId="478"/>
+          <ac:spMkLst>
+            <pc:docMk/>
+            <pc:sldMk cId="932381225" sldId="261"/>
+            <ac:spMk id="7" creationId="{39B6A681-9E0B-4716-B03D-B2B8D56FFF50}"/>
+          </ac:spMkLst>
+        </pc:spChg>
+        <pc:spChg chg="del">
+          <ac:chgData name="Jonathan Jones" userId="2431a80d5eb40e4b" providerId="LiveId" clId="{BFAC3861-DF76-43BE-8F99-E9B344E549B0}" dt="2022-01-30T15:07:08.833" v="2220" actId="478"/>
+          <ac:spMkLst>
+            <pc:docMk/>
+            <pc:sldMk cId="932381225" sldId="261"/>
+            <ac:spMk id="8" creationId="{3B5EA7E2-2417-4B11-B25C-42806824545C}"/>
+          </ac:spMkLst>
+        </pc:spChg>
+        <pc:spChg chg="mod">
+          <ac:chgData name="Jonathan Jones" userId="2431a80d5eb40e4b" providerId="LiveId" clId="{BFAC3861-DF76-43BE-8F99-E9B344E549B0}" dt="2022-01-30T15:07:16.534" v="2222" actId="1076"/>
+          <ac:spMkLst>
+            <pc:docMk/>
+            <pc:sldMk cId="932381225" sldId="261"/>
+            <ac:spMk id="9" creationId="{AC3C848C-37CB-4F48-BD1F-EBFD9B1296F2}"/>
+          </ac:spMkLst>
+        </pc:spChg>
+        <pc:spChg chg="mod">
+          <ac:chgData name="Jonathan Jones" userId="2431a80d5eb40e4b" providerId="LiveId" clId="{BFAC3861-DF76-43BE-8F99-E9B344E549B0}" dt="2022-01-30T15:07:16.534" v="2222" actId="1076"/>
+          <ac:spMkLst>
+            <pc:docMk/>
+            <pc:sldMk cId="932381225" sldId="261"/>
+            <ac:spMk id="12" creationId="{FA243E4A-9C16-4D53-9DA2-E397FBAE1318}"/>
+          </ac:spMkLst>
+        </pc:spChg>
+        <pc:spChg chg="mod">
+          <ac:chgData name="Jonathan Jones" userId="2431a80d5eb40e4b" providerId="LiveId" clId="{BFAC3861-DF76-43BE-8F99-E9B344E549B0}" dt="2022-01-30T15:07:16.534" v="2222" actId="1076"/>
+          <ac:spMkLst>
+            <pc:docMk/>
+            <pc:sldMk cId="932381225" sldId="261"/>
+            <ac:spMk id="13" creationId="{7F98B405-714E-4F6A-BD23-B1E616FE9713}"/>
+          </ac:spMkLst>
+        </pc:spChg>
+        <pc:spChg chg="mod">
+          <ac:chgData name="Jonathan Jones" userId="2431a80d5eb40e4b" providerId="LiveId" clId="{BFAC3861-DF76-43BE-8F99-E9B344E549B0}" dt="2022-01-30T15:07:30.102" v="2226" actId="1076"/>
+          <ac:spMkLst>
+            <pc:docMk/>
+            <pc:sldMk cId="932381225" sldId="261"/>
+            <ac:spMk id="14" creationId="{ED88BC8D-4D5E-4868-9022-18F203E1CBD4}"/>
+          </ac:spMkLst>
+        </pc:spChg>
+        <pc:spChg chg="mod">
+          <ac:chgData name="Jonathan Jones" userId="2431a80d5eb40e4b" providerId="LiveId" clId="{BFAC3861-DF76-43BE-8F99-E9B344E549B0}" dt="2022-01-30T15:07:27.085" v="2225" actId="1076"/>
+          <ac:spMkLst>
+            <pc:docMk/>
+            <pc:sldMk cId="932381225" sldId="261"/>
+            <ac:spMk id="15" creationId="{0402D6D1-61C6-455C-8D75-B42805CB91DB}"/>
+          </ac:spMkLst>
+        </pc:spChg>
+        <pc:picChg chg="mod">
+          <ac:chgData name="Jonathan Jones" userId="2431a80d5eb40e4b" providerId="LiveId" clId="{BFAC3861-DF76-43BE-8F99-E9B344E549B0}" dt="2022-01-30T15:07:16.534" v="2222" actId="1076"/>
+          <ac:picMkLst>
+            <pc:docMk/>
+            <pc:sldMk cId="932381225" sldId="261"/>
+            <ac:picMk id="11" creationId="{32C4F82D-A011-49A3-9D19-470A2E54F36B}"/>
           </ac:picMkLst>
         </pc:picChg>
       </pc:sldChg>
@@ -355,7 +847,7 @@
           <a:p>
             <a:fld id="{0720B5B0-4634-490D-9DEC-1AA2B126D4FE}" type="datetimeFigureOut">
               <a:rPr lang="en-US" smtClean="0"/>
-              <a:t>1/29/2022</a:t>
+              <a:t>1/30/2022</a:t>
             </a:fld>
             <a:endParaRPr lang="en-US"/>
           </a:p>
@@ -553,7 +1045,7 @@
           <a:p>
             <a:fld id="{0720B5B0-4634-490D-9DEC-1AA2B126D4FE}" type="datetimeFigureOut">
               <a:rPr lang="en-US" smtClean="0"/>
-              <a:t>1/29/2022</a:t>
+              <a:t>1/30/2022</a:t>
             </a:fld>
             <a:endParaRPr lang="en-US"/>
           </a:p>
@@ -761,7 +1253,7 @@
           <a:p>
             <a:fld id="{0720B5B0-4634-490D-9DEC-1AA2B126D4FE}" type="datetimeFigureOut">
               <a:rPr lang="en-US" smtClean="0"/>
-              <a:t>1/29/2022</a:t>
+              <a:t>1/30/2022</a:t>
             </a:fld>
             <a:endParaRPr lang="en-US"/>
           </a:p>
@@ -959,7 +1451,7 @@
           <a:p>
             <a:fld id="{0720B5B0-4634-490D-9DEC-1AA2B126D4FE}" type="datetimeFigureOut">
               <a:rPr lang="en-US" smtClean="0"/>
-              <a:t>1/29/2022</a:t>
+              <a:t>1/30/2022</a:t>
             </a:fld>
             <a:endParaRPr lang="en-US"/>
           </a:p>
@@ -1234,7 +1726,7 @@
           <a:p>
             <a:fld id="{0720B5B0-4634-490D-9DEC-1AA2B126D4FE}" type="datetimeFigureOut">
               <a:rPr lang="en-US" smtClean="0"/>
-              <a:t>1/29/2022</a:t>
+              <a:t>1/30/2022</a:t>
             </a:fld>
             <a:endParaRPr lang="en-US"/>
           </a:p>
@@ -1499,7 +1991,7 @@
           <a:p>
             <a:fld id="{0720B5B0-4634-490D-9DEC-1AA2B126D4FE}" type="datetimeFigureOut">
               <a:rPr lang="en-US" smtClean="0"/>
-              <a:t>1/29/2022</a:t>
+              <a:t>1/30/2022</a:t>
             </a:fld>
             <a:endParaRPr lang="en-US"/>
           </a:p>
@@ -1911,7 +2403,7 @@
           <a:p>
             <a:fld id="{0720B5B0-4634-490D-9DEC-1AA2B126D4FE}" type="datetimeFigureOut">
               <a:rPr lang="en-US" smtClean="0"/>
-              <a:t>1/29/2022</a:t>
+              <a:t>1/30/2022</a:t>
             </a:fld>
             <a:endParaRPr lang="en-US"/>
           </a:p>
@@ -2052,7 +2544,7 @@
           <a:p>
             <a:fld id="{0720B5B0-4634-490D-9DEC-1AA2B126D4FE}" type="datetimeFigureOut">
               <a:rPr lang="en-US" smtClean="0"/>
-              <a:t>1/29/2022</a:t>
+              <a:t>1/30/2022</a:t>
             </a:fld>
             <a:endParaRPr lang="en-US"/>
           </a:p>
@@ -2165,7 +2657,7 @@
           <a:p>
             <a:fld id="{0720B5B0-4634-490D-9DEC-1AA2B126D4FE}" type="datetimeFigureOut">
               <a:rPr lang="en-US" smtClean="0"/>
-              <a:t>1/29/2022</a:t>
+              <a:t>1/30/2022</a:t>
             </a:fld>
             <a:endParaRPr lang="en-US"/>
           </a:p>
@@ -2476,7 +2968,7 @@
           <a:p>
             <a:fld id="{0720B5B0-4634-490D-9DEC-1AA2B126D4FE}" type="datetimeFigureOut">
               <a:rPr lang="en-US" smtClean="0"/>
-              <a:t>1/29/2022</a:t>
+              <a:t>1/30/2022</a:t>
             </a:fld>
             <a:endParaRPr lang="en-US"/>
           </a:p>
@@ -2764,7 +3256,7 @@
           <a:p>
             <a:fld id="{0720B5B0-4634-490D-9DEC-1AA2B126D4FE}" type="datetimeFigureOut">
               <a:rPr lang="en-US" smtClean="0"/>
-              <a:t>1/29/2022</a:t>
+              <a:t>1/30/2022</a:t>
             </a:fld>
             <a:endParaRPr lang="en-US"/>
           </a:p>
@@ -3005,7 +3497,7 @@
           <a:p>
             <a:fld id="{0720B5B0-4634-490D-9DEC-1AA2B126D4FE}" type="datetimeFigureOut">
               <a:rPr lang="en-US" smtClean="0"/>
-              <a:t>1/29/2022</a:t>
+              <a:t>1/30/2022</a:t>
             </a:fld>
             <a:endParaRPr lang="en-US"/>
           </a:p>
@@ -3422,12 +3914,291 @@
           <a:chExt cx="0" cy="0"/>
         </a:xfrm>
       </p:grpSpPr>
+      <p:sp>
+        <p:nvSpPr>
+          <p:cNvPr id="4" name="TextBox 3">
+            <a:extLst>
+              <a:ext uri="{FF2B5EF4-FFF2-40B4-BE49-F238E27FC236}">
+                <a16:creationId xmlns:a16="http://schemas.microsoft.com/office/drawing/2014/main" id="{0E63D947-6A2F-4178-912D-AC9B7E26185D}"/>
+              </a:ext>
+            </a:extLst>
+          </p:cNvPr>
+          <p:cNvSpPr txBox="1"/>
+          <p:nvPr/>
+        </p:nvSpPr>
+        <p:spPr>
+          <a:xfrm>
+            <a:off x="362353" y="1623949"/>
+            <a:ext cx="12054980" cy="923330"/>
+          </a:xfrm>
+          <a:prstGeom prst="rect">
+            <a:avLst/>
+          </a:prstGeom>
+          <a:noFill/>
+        </p:spPr>
+        <p:txBody>
+          <a:bodyPr wrap="square" rtlCol="0">
+            <a:spAutoFit/>
+          </a:bodyPr>
+          <a:lstStyle/>
+          <a:p>
+            <a:r>
+              <a:rPr lang="en-US" dirty="0"/>
+              <a:t> (ml-25m) describes 5-star rating and free-text tagging activity from [</a:t>
+            </a:r>
+            <a:r>
+              <a:rPr lang="en-US" dirty="0" err="1"/>
+              <a:t>MovieLens</a:t>
+            </a:r>
+            <a:r>
+              <a:rPr lang="en-US" dirty="0"/>
+              <a:t>](</a:t>
+            </a:r>
+            <a:r>
+              <a:rPr lang="en-US" dirty="0">
+                <a:hlinkClick r:id="rId2"/>
+              </a:rPr>
+              <a:t>http://movielens.org</a:t>
+            </a:r>
+            <a:r>
+              <a:rPr lang="en-US" dirty="0"/>
+              <a:t>)</a:t>
+            </a:r>
+          </a:p>
+          <a:p>
+            <a:endParaRPr lang="en-US" dirty="0"/>
+          </a:p>
+          <a:p>
+            <a:r>
+              <a:rPr lang="en-US" dirty="0"/>
+              <a:t>Files to leverage:  movies.csv, genome-score.csv, ratings.csv, tags.csv</a:t>
+            </a:r>
+          </a:p>
+        </p:txBody>
+      </p:sp>
+      <p:sp>
+        <p:nvSpPr>
+          <p:cNvPr id="5" name="TextBox 4">
+            <a:extLst>
+              <a:ext uri="{FF2B5EF4-FFF2-40B4-BE49-F238E27FC236}">
+                <a16:creationId xmlns:a16="http://schemas.microsoft.com/office/drawing/2014/main" id="{8C706C3D-C2DC-42D8-98B4-BD55264BE906}"/>
+              </a:ext>
+            </a:extLst>
+          </p:cNvPr>
+          <p:cNvSpPr txBox="1"/>
+          <p:nvPr/>
+        </p:nvSpPr>
+        <p:spPr>
+          <a:xfrm>
+            <a:off x="385895" y="981111"/>
+            <a:ext cx="1002006" cy="400110"/>
+          </a:xfrm>
+          <a:prstGeom prst="rect">
+            <a:avLst/>
+          </a:prstGeom>
+          <a:noFill/>
+        </p:spPr>
+        <p:txBody>
+          <a:bodyPr wrap="none" rtlCol="0">
+            <a:spAutoFit/>
+          </a:bodyPr>
+          <a:lstStyle/>
+          <a:p>
+            <a:r>
+              <a:rPr lang="en-US" sz="2000" b="1" u="sng" dirty="0"/>
+              <a:t>Dataset</a:t>
+            </a:r>
+          </a:p>
+        </p:txBody>
+      </p:sp>
+      <p:sp>
+        <p:nvSpPr>
+          <p:cNvPr id="6" name="TextBox 5">
+            <a:extLst>
+              <a:ext uri="{FF2B5EF4-FFF2-40B4-BE49-F238E27FC236}">
+                <a16:creationId xmlns:a16="http://schemas.microsoft.com/office/drawing/2014/main" id="{17814F79-B978-47C4-A909-48D484FEC96B}"/>
+              </a:ext>
+            </a:extLst>
+          </p:cNvPr>
+          <p:cNvSpPr txBox="1"/>
+          <p:nvPr/>
+        </p:nvSpPr>
+        <p:spPr>
+          <a:xfrm>
+            <a:off x="260059" y="196950"/>
+            <a:ext cx="11803310" cy="646331"/>
+          </a:xfrm>
+          <a:prstGeom prst="rect">
+            <a:avLst/>
+          </a:prstGeom>
+          <a:noFill/>
+        </p:spPr>
+        <p:txBody>
+          <a:bodyPr wrap="square" rtlCol="0">
+            <a:spAutoFit/>
+          </a:bodyPr>
+          <a:lstStyle/>
+          <a:p>
+            <a:r>
+              <a:rPr lang="en-US" b="1" dirty="0"/>
+              <a:t>Objective is to make a lightweight app that can be hosted on GitHub pages like the Belly Button Biodiversity that provides a list of movies that might be of interest for viewing.</a:t>
+            </a:r>
+          </a:p>
+        </p:txBody>
+      </p:sp>
+      <p:sp>
+        <p:nvSpPr>
+          <p:cNvPr id="7" name="TextBox 6">
+            <a:extLst>
+              <a:ext uri="{FF2B5EF4-FFF2-40B4-BE49-F238E27FC236}">
+                <a16:creationId xmlns:a16="http://schemas.microsoft.com/office/drawing/2014/main" id="{39B6A681-9E0B-4716-B03D-B2B8D56FFF50}"/>
+              </a:ext>
+            </a:extLst>
+          </p:cNvPr>
+          <p:cNvSpPr txBox="1"/>
+          <p:nvPr/>
+        </p:nvSpPr>
+        <p:spPr>
+          <a:xfrm>
+            <a:off x="453007" y="3646443"/>
+            <a:ext cx="10728735" cy="1754326"/>
+          </a:xfrm>
+          <a:prstGeom prst="rect">
+            <a:avLst/>
+          </a:prstGeom>
+          <a:noFill/>
+        </p:spPr>
+        <p:txBody>
+          <a:bodyPr wrap="square" rtlCol="0">
+            <a:spAutoFit/>
+          </a:bodyPr>
+          <a:lstStyle/>
+          <a:p>
+            <a:r>
+              <a:rPr lang="en-US" dirty="0"/>
+              <a:t>The genome-scoring file contains tags like action packed, alternate endings, android, animals which are then scored with a relevance for each movie.</a:t>
+            </a:r>
+          </a:p>
+          <a:p>
+            <a:endParaRPr lang="en-US" dirty="0"/>
+          </a:p>
+          <a:p>
+            <a:r>
+              <a:rPr lang="en-US" dirty="0"/>
+              <a:t>Using this relevance scoring on the movie tags it is desired to apply an unsupervised machine learning model to group movies that might be also of similar interest.</a:t>
+            </a:r>
+          </a:p>
+          <a:p>
+            <a:endParaRPr lang="en-US" dirty="0"/>
+          </a:p>
+        </p:txBody>
+      </p:sp>
+      <p:sp>
+        <p:nvSpPr>
+          <p:cNvPr id="8" name="TextBox 7">
+            <a:extLst>
+              <a:ext uri="{FF2B5EF4-FFF2-40B4-BE49-F238E27FC236}">
+                <a16:creationId xmlns:a16="http://schemas.microsoft.com/office/drawing/2014/main" id="{3B5EA7E2-2417-4B11-B25C-42806824545C}"/>
+              </a:ext>
+            </a:extLst>
+          </p:cNvPr>
+          <p:cNvSpPr txBox="1"/>
+          <p:nvPr/>
+        </p:nvSpPr>
+        <p:spPr>
+          <a:xfrm>
+            <a:off x="362353" y="2994511"/>
+            <a:ext cx="1454309" cy="400110"/>
+          </a:xfrm>
+          <a:prstGeom prst="rect">
+            <a:avLst/>
+          </a:prstGeom>
+          <a:noFill/>
+        </p:spPr>
+        <p:txBody>
+          <a:bodyPr wrap="none" rtlCol="0">
+            <a:spAutoFit/>
+          </a:bodyPr>
+          <a:lstStyle/>
+          <a:p>
+            <a:r>
+              <a:rPr lang="en-US" sz="2000" b="1" u="sng" dirty="0"/>
+              <a:t>ML Strategy</a:t>
+            </a:r>
+          </a:p>
+        </p:txBody>
+      </p:sp>
+    </p:spTree>
+    <p:extLst>
+      <p:ext uri="{BB962C8B-B14F-4D97-AF65-F5344CB8AC3E}">
+        <p14:creationId xmlns:p14="http://schemas.microsoft.com/office/powerpoint/2010/main" val="2172657703"/>
+      </p:ext>
+    </p:extLst>
+  </p:cSld>
+  <p:clrMapOvr>
+    <a:masterClrMapping/>
+  </p:clrMapOvr>
+</p:sld>
+</file>
+
+<file path=ppt/slides/slide2.xml><?xml version="1.0" encoding="utf-8"?>
+<p:sld xmlns:a="http://schemas.openxmlformats.org/drawingml/2006/main" xmlns:r="http://schemas.openxmlformats.org/officeDocument/2006/relationships" xmlns:p="http://schemas.openxmlformats.org/presentationml/2006/main">
+  <p:cSld>
+    <p:spTree>
+      <p:nvGrpSpPr>
+        <p:cNvPr id="1" name=""/>
+        <p:cNvGrpSpPr/>
+        <p:nvPr/>
+      </p:nvGrpSpPr>
+      <p:grpSpPr>
+        <a:xfrm>
+          <a:off x="0" y="0"/>
+          <a:ext cx="0" cy="0"/>
+          <a:chOff x="0" y="0"/>
+          <a:chExt cx="0" cy="0"/>
+        </a:xfrm>
+      </p:grpSpPr>
+      <p:sp>
+        <p:nvSpPr>
+          <p:cNvPr id="8" name="TextBox 7">
+            <a:extLst>
+              <a:ext uri="{FF2B5EF4-FFF2-40B4-BE49-F238E27FC236}">
+                <a16:creationId xmlns:a16="http://schemas.microsoft.com/office/drawing/2014/main" id="{3B5EA7E2-2417-4B11-B25C-42806824545C}"/>
+              </a:ext>
+            </a:extLst>
+          </p:cNvPr>
+          <p:cNvSpPr txBox="1"/>
+          <p:nvPr/>
+        </p:nvSpPr>
+        <p:spPr>
+          <a:xfrm>
+            <a:off x="218115" y="155689"/>
+            <a:ext cx="1454309" cy="400110"/>
+          </a:xfrm>
+          <a:prstGeom prst="rect">
+            <a:avLst/>
+          </a:prstGeom>
+          <a:noFill/>
+        </p:spPr>
+        <p:txBody>
+          <a:bodyPr wrap="none" rtlCol="0">
+            <a:spAutoFit/>
+          </a:bodyPr>
+          <a:lstStyle/>
+          <a:p>
+            <a:r>
+              <a:rPr lang="en-US" sz="2000" b="1" u="sng" dirty="0"/>
+              <a:t>ML Strategy</a:t>
+            </a:r>
+          </a:p>
+        </p:txBody>
+      </p:sp>
       <p:pic>
         <p:nvPicPr>
-          <p:cNvPr id="5" name="Picture 4">
-            <a:extLst>
-              <a:ext uri="{FF2B5EF4-FFF2-40B4-BE49-F238E27FC236}">
-                <a16:creationId xmlns:a16="http://schemas.microsoft.com/office/drawing/2014/main" id="{069FE907-F4AA-4DB5-8797-368E7DD913A0}"/>
+          <p:cNvPr id="3" name="Picture 2">
+            <a:extLst>
+              <a:ext uri="{FF2B5EF4-FFF2-40B4-BE49-F238E27FC236}">
+                <a16:creationId xmlns:a16="http://schemas.microsoft.com/office/drawing/2014/main" id="{95AC1442-E57B-4BAD-B73F-6FDE8151A480}"/>
               </a:ext>
             </a:extLst>
           </p:cNvPr>
@@ -3444,107 +4215,20 @@
         </p:blipFill>
         <p:spPr>
           <a:xfrm>
-            <a:off x="653143" y="271091"/>
-            <a:ext cx="10234037" cy="6315817"/>
+            <a:off x="218116" y="1126250"/>
+            <a:ext cx="7055140" cy="4560620"/>
           </a:xfrm>
           <a:prstGeom prst="rect">
             <a:avLst/>
           </a:prstGeom>
         </p:spPr>
       </p:pic>
-      <p:sp>
-        <p:nvSpPr>
-          <p:cNvPr id="15" name="TextBox 14">
-            <a:extLst>
-              <a:ext uri="{FF2B5EF4-FFF2-40B4-BE49-F238E27FC236}">
-                <a16:creationId xmlns:a16="http://schemas.microsoft.com/office/drawing/2014/main" id="{0F2BC419-5704-4FCF-AE2A-C01021D57C68}"/>
-              </a:ext>
-            </a:extLst>
-          </p:cNvPr>
-          <p:cNvSpPr txBox="1"/>
-          <p:nvPr/>
-        </p:nvSpPr>
-        <p:spPr>
-          <a:xfrm>
-            <a:off x="6771242" y="3042967"/>
-            <a:ext cx="4868129" cy="3102980"/>
-          </a:xfrm>
-          <a:prstGeom prst="rect">
-            <a:avLst/>
-          </a:prstGeom>
-          <a:solidFill>
-            <a:schemeClr val="bg1"/>
-          </a:solidFill>
-        </p:spPr>
-        <p:txBody>
-          <a:bodyPr wrap="square" rtlCol="0">
-            <a:spAutoFit/>
-          </a:bodyPr>
-          <a:lstStyle/>
-          <a:p>
-            <a:endParaRPr lang="en-US" dirty="0"/>
-          </a:p>
-        </p:txBody>
-      </p:sp>
-      <p:sp>
-        <p:nvSpPr>
-          <p:cNvPr id="7" name="TextBox 6">
-            <a:extLst>
-              <a:ext uri="{FF2B5EF4-FFF2-40B4-BE49-F238E27FC236}">
-                <a16:creationId xmlns:a16="http://schemas.microsoft.com/office/drawing/2014/main" id="{D084A35C-6828-4C1B-A2BF-DCA7E32536CA}"/>
-              </a:ext>
-            </a:extLst>
-          </p:cNvPr>
-          <p:cNvSpPr txBox="1"/>
-          <p:nvPr/>
-        </p:nvSpPr>
-        <p:spPr>
-          <a:xfrm>
-            <a:off x="780175" y="2323749"/>
-            <a:ext cx="10452683" cy="707886"/>
-          </a:xfrm>
-          <a:prstGeom prst="rect">
-            <a:avLst/>
-          </a:prstGeom>
-          <a:solidFill>
-            <a:schemeClr val="bg1"/>
-          </a:solidFill>
-        </p:spPr>
-        <p:txBody>
-          <a:bodyPr wrap="square" rtlCol="0">
-            <a:spAutoFit/>
-          </a:bodyPr>
-          <a:lstStyle/>
-          <a:p>
-            <a:r>
-              <a:rPr lang="en-US" sz="2000" dirty="0"/>
-              <a:t>Using </a:t>
-            </a:r>
-            <a:r>
-              <a:rPr lang="en-US" sz="2000" dirty="0" err="1"/>
-              <a:t>MovieLens</a:t>
-            </a:r>
-            <a:r>
-              <a:rPr lang="en-US" sz="2000" dirty="0"/>
-              <a:t> dataset a </a:t>
-            </a:r>
-            <a:r>
-              <a:rPr lang="en-US" sz="2000" dirty="0" err="1"/>
-              <a:t>kmeans</a:t>
-            </a:r>
-            <a:r>
-              <a:rPr lang="en-US" sz="2000" dirty="0"/>
-              <a:t> clustering was performed to group movies by their genome tag scoring…..</a:t>
-            </a:r>
-          </a:p>
-        </p:txBody>
-      </p:sp>
       <p:pic>
         <p:nvPicPr>
-          <p:cNvPr id="9" name="Picture 8">
-            <a:extLst>
-              <a:ext uri="{FF2B5EF4-FFF2-40B4-BE49-F238E27FC236}">
-                <a16:creationId xmlns:a16="http://schemas.microsoft.com/office/drawing/2014/main" id="{F2556855-C765-4404-ABD0-47863B0E214E}"/>
+          <p:cNvPr id="16" name="Picture 15">
+            <a:extLst>
+              <a:ext uri="{FF2B5EF4-FFF2-40B4-BE49-F238E27FC236}">
+                <a16:creationId xmlns:a16="http://schemas.microsoft.com/office/drawing/2014/main" id="{A055D144-2F32-4AA6-999F-14F720768648}"/>
               </a:ext>
             </a:extLst>
           </p:cNvPr>
@@ -3561,8 +4245,8 @@
         </p:blipFill>
         <p:spPr>
           <a:xfrm>
-            <a:off x="6708792" y="3752115"/>
-            <a:ext cx="4930579" cy="1551965"/>
+            <a:off x="7743825" y="1849030"/>
+            <a:ext cx="4448175" cy="2790825"/>
           </a:xfrm>
           <a:prstGeom prst="rect">
             <a:avLst/>
@@ -3571,10 +4255,10 @@
       </p:pic>
       <p:sp>
         <p:nvSpPr>
-          <p:cNvPr id="12" name="TextBox 11">
-            <a:extLst>
-              <a:ext uri="{FF2B5EF4-FFF2-40B4-BE49-F238E27FC236}">
-                <a16:creationId xmlns:a16="http://schemas.microsoft.com/office/drawing/2014/main" id="{9AB66DF4-725D-4ADE-860A-E8B125C71DED}"/>
+          <p:cNvPr id="17" name="TextBox 16">
+            <a:extLst>
+              <a:ext uri="{FF2B5EF4-FFF2-40B4-BE49-F238E27FC236}">
+                <a16:creationId xmlns:a16="http://schemas.microsoft.com/office/drawing/2014/main" id="{BD205D67-16E4-4230-9138-863EB020AD5C}"/>
               </a:ext>
             </a:extLst>
           </p:cNvPr>
@@ -3583,8 +4267,8 @@
         </p:nvSpPr>
         <p:spPr>
           <a:xfrm>
-            <a:off x="11279586" y="1592744"/>
-            <a:ext cx="2696787" cy="1200329"/>
+            <a:off x="218115" y="555799"/>
+            <a:ext cx="7332841" cy="369332"/>
           </a:xfrm>
           <a:prstGeom prst="rect">
             <a:avLst/>
@@ -3592,6 +4276,49 @@
           <a:noFill/>
         </p:spPr>
         <p:txBody>
+          <a:bodyPr wrap="none" rtlCol="0">
+            <a:spAutoFit/>
+          </a:bodyPr>
+          <a:lstStyle/>
+          <a:p>
+            <a:r>
+              <a:rPr lang="en-US" dirty="0"/>
+              <a:t>Table of </a:t>
+            </a:r>
+            <a:r>
+              <a:rPr lang="en-US" dirty="0" err="1"/>
+              <a:t>tagId</a:t>
+            </a:r>
+            <a:r>
+              <a:rPr lang="en-US" dirty="0"/>
+              <a:t> 1 ‘007’ which with a relevance filter of .95 shows bond movies</a:t>
+            </a:r>
+          </a:p>
+        </p:txBody>
+      </p:sp>
+      <p:sp>
+        <p:nvSpPr>
+          <p:cNvPr id="18" name="TextBox 17">
+            <a:extLst>
+              <a:ext uri="{FF2B5EF4-FFF2-40B4-BE49-F238E27FC236}">
+                <a16:creationId xmlns:a16="http://schemas.microsoft.com/office/drawing/2014/main" id="{DF256ABE-D69A-4990-AC10-3546F67ABF42}"/>
+              </a:ext>
+            </a:extLst>
+          </p:cNvPr>
+          <p:cNvSpPr txBox="1"/>
+          <p:nvPr/>
+        </p:nvSpPr>
+        <p:spPr>
+          <a:xfrm>
+            <a:off x="8148200" y="834034"/>
+            <a:ext cx="3639423" cy="923330"/>
+          </a:xfrm>
+          <a:prstGeom prst="rect">
+            <a:avLst/>
+          </a:prstGeom>
+          <a:noFill/>
+        </p:spPr>
+        <p:txBody>
           <a:bodyPr wrap="square" rtlCol="0">
             <a:spAutoFit/>
           </a:bodyPr>
@@ -3599,39 +4326,212 @@
           <a:p>
             <a:r>
               <a:rPr lang="en-US" dirty="0"/>
-              <a:t>D3 </a:t>
-            </a:r>
-            <a:r>
-              <a:rPr lang="en-US" dirty="0" err="1"/>
-              <a:t>wordcloud</a:t>
-            </a:r>
+              <a:t>Check of all Tags for Relevance Correlation between Two Similar Bond Movies</a:t>
+            </a:r>
+          </a:p>
+        </p:txBody>
+      </p:sp>
+    </p:spTree>
+    <p:extLst>
+      <p:ext uri="{BB962C8B-B14F-4D97-AF65-F5344CB8AC3E}">
+        <p14:creationId xmlns:p14="http://schemas.microsoft.com/office/powerpoint/2010/main" val="1162984911"/>
+      </p:ext>
+    </p:extLst>
+  </p:cSld>
+  <p:clrMapOvr>
+    <a:masterClrMapping/>
+  </p:clrMapOvr>
+</p:sld>
+</file>
+
+<file path=ppt/slides/slide3.xml><?xml version="1.0" encoding="utf-8"?>
+<p:sld xmlns:a="http://schemas.openxmlformats.org/drawingml/2006/main" xmlns:r="http://schemas.openxmlformats.org/officeDocument/2006/relationships" xmlns:p="http://schemas.openxmlformats.org/presentationml/2006/main">
+  <p:cSld>
+    <p:spTree>
+      <p:nvGrpSpPr>
+        <p:cNvPr id="1" name=""/>
+        <p:cNvGrpSpPr/>
+        <p:nvPr/>
+      </p:nvGrpSpPr>
+      <p:grpSpPr>
+        <a:xfrm>
+          <a:off x="0" y="0"/>
+          <a:ext cx="0" cy="0"/>
+          <a:chOff x="0" y="0"/>
+          <a:chExt cx="0" cy="0"/>
+        </a:xfrm>
+      </p:grpSpPr>
+      <p:sp>
+        <p:nvSpPr>
+          <p:cNvPr id="8" name="TextBox 7">
+            <a:extLst>
+              <a:ext uri="{FF2B5EF4-FFF2-40B4-BE49-F238E27FC236}">
+                <a16:creationId xmlns:a16="http://schemas.microsoft.com/office/drawing/2014/main" id="{3B5EA7E2-2417-4B11-B25C-42806824545C}"/>
+              </a:ext>
+            </a:extLst>
+          </p:cNvPr>
+          <p:cNvSpPr txBox="1"/>
+          <p:nvPr/>
+        </p:nvSpPr>
+        <p:spPr>
+          <a:xfrm>
+            <a:off x="218115" y="155689"/>
+            <a:ext cx="1454309" cy="400110"/>
+          </a:xfrm>
+          <a:prstGeom prst="rect">
+            <a:avLst/>
+          </a:prstGeom>
+          <a:noFill/>
+        </p:spPr>
+        <p:txBody>
+          <a:bodyPr wrap="none" rtlCol="0">
+            <a:spAutoFit/>
+          </a:bodyPr>
+          <a:lstStyle/>
+          <a:p>
+            <a:r>
+              <a:rPr lang="en-US" sz="2000" b="1" u="sng" dirty="0"/>
+              <a:t>ML Strategy</a:t>
+            </a:r>
+          </a:p>
+        </p:txBody>
+      </p:sp>
+      <p:pic>
+        <p:nvPicPr>
+          <p:cNvPr id="4" name="Picture 3">
+            <a:extLst>
+              <a:ext uri="{FF2B5EF4-FFF2-40B4-BE49-F238E27FC236}">
+                <a16:creationId xmlns:a16="http://schemas.microsoft.com/office/drawing/2014/main" id="{31503529-55B3-4AD7-9C91-4C624334625F}"/>
+              </a:ext>
+            </a:extLst>
+          </p:cNvPr>
+          <p:cNvPicPr>
+            <a:picLocks noChangeAspect="1"/>
+          </p:cNvPicPr>
+          <p:nvPr/>
+        </p:nvPicPr>
+        <p:blipFill>
+          <a:blip r:embed="rId2"/>
+          <a:stretch>
+            <a:fillRect/>
+          </a:stretch>
+        </p:blipFill>
+        <p:spPr>
+          <a:xfrm>
+            <a:off x="1505081" y="1446926"/>
+            <a:ext cx="9953625" cy="1847850"/>
+          </a:xfrm>
+          <a:prstGeom prst="rect">
+            <a:avLst/>
+          </a:prstGeom>
+        </p:spPr>
+      </p:pic>
+      <p:sp>
+        <p:nvSpPr>
+          <p:cNvPr id="5" name="TextBox 4">
+            <a:extLst>
+              <a:ext uri="{FF2B5EF4-FFF2-40B4-BE49-F238E27FC236}">
+                <a16:creationId xmlns:a16="http://schemas.microsoft.com/office/drawing/2014/main" id="{C4AA24AE-F3B6-4427-98DC-26209290BDF8}"/>
+              </a:ext>
+            </a:extLst>
+          </p:cNvPr>
+          <p:cNvSpPr txBox="1"/>
+          <p:nvPr/>
+        </p:nvSpPr>
+        <p:spPr>
+          <a:xfrm>
+            <a:off x="792016" y="679508"/>
+            <a:ext cx="4918398" cy="369332"/>
+          </a:xfrm>
+          <a:prstGeom prst="rect">
+            <a:avLst/>
+          </a:prstGeom>
+          <a:noFill/>
+        </p:spPr>
+        <p:txBody>
+          <a:bodyPr wrap="none" rtlCol="0">
+            <a:spAutoFit/>
+          </a:bodyPr>
+          <a:lstStyle/>
+          <a:p>
             <a:r>
               <a:rPr lang="en-US" dirty="0"/>
-              <a:t> using </a:t>
-            </a:r>
-            <a:r>
-              <a:rPr lang="en-US" dirty="0" err="1"/>
-              <a:t>movieid</a:t>
-            </a:r>
+              <a:t>Perform Unsupervised Clustering with X like below</a:t>
+            </a:r>
+          </a:p>
+        </p:txBody>
+      </p:sp>
+      <p:pic>
+        <p:nvPicPr>
+          <p:cNvPr id="10" name="Picture 9">
+            <a:extLst>
+              <a:ext uri="{FF2B5EF4-FFF2-40B4-BE49-F238E27FC236}">
+                <a16:creationId xmlns:a16="http://schemas.microsoft.com/office/drawing/2014/main" id="{C2E79065-3080-49B5-ABCD-D022CB918EE4}"/>
+              </a:ext>
+            </a:extLst>
+          </p:cNvPr>
+          <p:cNvPicPr>
+            <a:picLocks noChangeAspect="1"/>
+          </p:cNvPicPr>
+          <p:nvPr/>
+        </p:nvPicPr>
+        <p:blipFill>
+          <a:blip r:embed="rId3"/>
+          <a:stretch>
+            <a:fillRect/>
+          </a:stretch>
+        </p:blipFill>
+        <p:spPr>
+          <a:xfrm>
+            <a:off x="2749981" y="3932556"/>
+            <a:ext cx="3467806" cy="2770201"/>
+          </a:xfrm>
+          <a:prstGeom prst="rect">
+            <a:avLst/>
+          </a:prstGeom>
+        </p:spPr>
+      </p:pic>
+      <p:sp>
+        <p:nvSpPr>
+          <p:cNvPr id="11" name="TextBox 10">
+            <a:extLst>
+              <a:ext uri="{FF2B5EF4-FFF2-40B4-BE49-F238E27FC236}">
+                <a16:creationId xmlns:a16="http://schemas.microsoft.com/office/drawing/2014/main" id="{593B9455-B38B-4AFD-BE86-D0ADB3976F5C}"/>
+              </a:ext>
+            </a:extLst>
+          </p:cNvPr>
+          <p:cNvSpPr txBox="1"/>
+          <p:nvPr/>
+        </p:nvSpPr>
+        <p:spPr>
+          <a:xfrm>
+            <a:off x="792016" y="3429000"/>
+            <a:ext cx="4310475" cy="369332"/>
+          </a:xfrm>
+          <a:prstGeom prst="rect">
+            <a:avLst/>
+          </a:prstGeom>
+          <a:noFill/>
+        </p:spPr>
+        <p:txBody>
+          <a:bodyPr wrap="none" rtlCol="0">
+            <a:spAutoFit/>
+          </a:bodyPr>
+          <a:lstStyle/>
+          <a:p>
             <a:r>
               <a:rPr lang="en-US" dirty="0"/>
-              <a:t> and tags.csv</a:t>
-            </a:r>
-          </a:p>
-          <a:p>
-            <a:r>
-              <a:rPr lang="en-US" dirty="0"/>
-              <a:t>Updates with selection of each movie in pareto</a:t>
-            </a:r>
-          </a:p>
-        </p:txBody>
-      </p:sp>
-      <p:sp>
-        <p:nvSpPr>
-          <p:cNvPr id="14" name="Arrow: Down 13">
-            <a:extLst>
-              <a:ext uri="{FF2B5EF4-FFF2-40B4-BE49-F238E27FC236}">
-                <a16:creationId xmlns:a16="http://schemas.microsoft.com/office/drawing/2014/main" id="{F47D622E-535B-4CFA-B464-D52C4820D474}"/>
+              <a:t>As output Get Clustering of movies to utilize</a:t>
+            </a:r>
+          </a:p>
+        </p:txBody>
+      </p:sp>
+      <p:sp>
+        <p:nvSpPr>
+          <p:cNvPr id="6" name="Arrow: Down 5">
+            <a:extLst>
+              <a:ext uri="{FF2B5EF4-FFF2-40B4-BE49-F238E27FC236}">
+                <a16:creationId xmlns:a16="http://schemas.microsoft.com/office/drawing/2014/main" id="{1C7F6C61-06DB-4D41-B4D4-F3498CC04564}"/>
               </a:ext>
             </a:extLst>
           </p:cNvPr>
@@ -3639,9 +4539,9 @@
           <p:nvPr/>
         </p:nvSpPr>
         <p:spPr>
-          <a:xfrm rot="2752146">
-            <a:off x="11033457" y="2601342"/>
-            <a:ext cx="398804" cy="1418602"/>
+          <a:xfrm rot="3188830">
+            <a:off x="7994708" y="500424"/>
+            <a:ext cx="343949" cy="1096832"/>
           </a:xfrm>
           <a:prstGeom prst="downArrow">
             <a:avLst/>
@@ -3674,6 +4574,789 @@
       </p:sp>
       <p:sp>
         <p:nvSpPr>
+          <p:cNvPr id="7" name="TextBox 6">
+            <a:extLst>
+              <a:ext uri="{FF2B5EF4-FFF2-40B4-BE49-F238E27FC236}">
+                <a16:creationId xmlns:a16="http://schemas.microsoft.com/office/drawing/2014/main" id="{25851D22-CD4B-4DB6-B1C3-29DD8B25C077}"/>
+              </a:ext>
+            </a:extLst>
+          </p:cNvPr>
+          <p:cNvSpPr txBox="1"/>
+          <p:nvPr/>
+        </p:nvSpPr>
+        <p:spPr>
+          <a:xfrm>
+            <a:off x="8708658" y="594502"/>
+            <a:ext cx="1445845" cy="369332"/>
+          </a:xfrm>
+          <a:prstGeom prst="rect">
+            <a:avLst/>
+          </a:prstGeom>
+          <a:noFill/>
+        </p:spPr>
+        <p:txBody>
+          <a:bodyPr wrap="none" rtlCol="0">
+            <a:spAutoFit/>
+          </a:bodyPr>
+          <a:lstStyle/>
+          <a:p>
+            <a:r>
+              <a:rPr lang="en-US" dirty="0"/>
+              <a:t>Genome Tags</a:t>
+            </a:r>
+          </a:p>
+        </p:txBody>
+      </p:sp>
+      <p:sp>
+        <p:nvSpPr>
+          <p:cNvPr id="14" name="TextBox 13">
+            <a:extLst>
+              <a:ext uri="{FF2B5EF4-FFF2-40B4-BE49-F238E27FC236}">
+                <a16:creationId xmlns:a16="http://schemas.microsoft.com/office/drawing/2014/main" id="{A56737B0-B70C-4310-94C8-45BC7EA47FA6}"/>
+              </a:ext>
+            </a:extLst>
+          </p:cNvPr>
+          <p:cNvSpPr txBox="1"/>
+          <p:nvPr/>
+        </p:nvSpPr>
+        <p:spPr>
+          <a:xfrm>
+            <a:off x="218115" y="1807733"/>
+            <a:ext cx="1097352" cy="369332"/>
+          </a:xfrm>
+          <a:prstGeom prst="rect">
+            <a:avLst/>
+          </a:prstGeom>
+          <a:noFill/>
+        </p:spPr>
+        <p:txBody>
+          <a:bodyPr wrap="none" rtlCol="0">
+            <a:spAutoFit/>
+          </a:bodyPr>
+          <a:lstStyle/>
+          <a:p>
+            <a:r>
+              <a:rPr lang="en-US" dirty="0"/>
+              <a:t>Movie Ids</a:t>
+            </a:r>
+          </a:p>
+        </p:txBody>
+      </p:sp>
+      <p:sp>
+        <p:nvSpPr>
+          <p:cNvPr id="15" name="Arrow: Down 14">
+            <a:extLst>
+              <a:ext uri="{FF2B5EF4-FFF2-40B4-BE49-F238E27FC236}">
+                <a16:creationId xmlns:a16="http://schemas.microsoft.com/office/drawing/2014/main" id="{5482C0FD-1175-45BD-8FB3-A1DFC046A30F}"/>
+              </a:ext>
+            </a:extLst>
+          </p:cNvPr>
+          <p:cNvSpPr/>
+          <p:nvPr/>
+        </p:nvSpPr>
+        <p:spPr>
+          <a:xfrm rot="18104138">
+            <a:off x="1292330" y="1879693"/>
+            <a:ext cx="343949" cy="1368231"/>
+          </a:xfrm>
+          <a:prstGeom prst="downArrow">
+            <a:avLst/>
+          </a:prstGeom>
+        </p:spPr>
+        <p:style>
+          <a:lnRef idx="2">
+            <a:schemeClr val="accent1">
+              <a:shade val="50000"/>
+            </a:schemeClr>
+          </a:lnRef>
+          <a:fillRef idx="1">
+            <a:schemeClr val="accent1"/>
+          </a:fillRef>
+          <a:effectRef idx="0">
+            <a:schemeClr val="accent1"/>
+          </a:effectRef>
+          <a:fontRef idx="minor">
+            <a:schemeClr val="lt1"/>
+          </a:fontRef>
+        </p:style>
+        <p:txBody>
+          <a:bodyPr rtlCol="0" anchor="ctr"/>
+          <a:lstStyle/>
+          <a:p>
+            <a:pPr algn="ctr"/>
+            <a:endParaRPr lang="en-US"/>
+          </a:p>
+        </p:txBody>
+      </p:sp>
+      <p:sp>
+        <p:nvSpPr>
+          <p:cNvPr id="9" name="Rectangle 8">
+            <a:extLst>
+              <a:ext uri="{FF2B5EF4-FFF2-40B4-BE49-F238E27FC236}">
+                <a16:creationId xmlns:a16="http://schemas.microsoft.com/office/drawing/2014/main" id="{26DC9622-6057-497C-8A14-1B1F5633C2FB}"/>
+              </a:ext>
+            </a:extLst>
+          </p:cNvPr>
+          <p:cNvSpPr/>
+          <p:nvPr/>
+        </p:nvSpPr>
+        <p:spPr>
+          <a:xfrm>
+            <a:off x="2214694" y="1912690"/>
+            <a:ext cx="9026554" cy="1283516"/>
+          </a:xfrm>
+          <a:prstGeom prst="rect">
+            <a:avLst/>
+          </a:prstGeom>
+          <a:noFill/>
+          <a:ln>
+            <a:solidFill>
+              <a:srgbClr val="FF0000"/>
+            </a:solidFill>
+          </a:ln>
+        </p:spPr>
+        <p:style>
+          <a:lnRef idx="2">
+            <a:schemeClr val="accent1">
+              <a:shade val="50000"/>
+            </a:schemeClr>
+          </a:lnRef>
+          <a:fillRef idx="1">
+            <a:schemeClr val="accent1"/>
+          </a:fillRef>
+          <a:effectRef idx="0">
+            <a:schemeClr val="accent1"/>
+          </a:effectRef>
+          <a:fontRef idx="minor">
+            <a:schemeClr val="lt1"/>
+          </a:fontRef>
+        </p:style>
+        <p:txBody>
+          <a:bodyPr rtlCol="0" anchor="ctr"/>
+          <a:lstStyle/>
+          <a:p>
+            <a:pPr algn="ctr"/>
+            <a:endParaRPr lang="en-US"/>
+          </a:p>
+        </p:txBody>
+      </p:sp>
+      <p:sp>
+        <p:nvSpPr>
+          <p:cNvPr id="19" name="Arrow: Down 18">
+            <a:extLst>
+              <a:ext uri="{FF2B5EF4-FFF2-40B4-BE49-F238E27FC236}">
+                <a16:creationId xmlns:a16="http://schemas.microsoft.com/office/drawing/2014/main" id="{0E0DE975-B0B9-4F94-BC2E-A2E09699EB44}"/>
+              </a:ext>
+            </a:extLst>
+          </p:cNvPr>
+          <p:cNvSpPr/>
+          <p:nvPr/>
+        </p:nvSpPr>
+        <p:spPr>
+          <a:xfrm rot="7061902">
+            <a:off x="8625280" y="2935195"/>
+            <a:ext cx="343949" cy="1096832"/>
+          </a:xfrm>
+          <a:prstGeom prst="downArrow">
+            <a:avLst/>
+          </a:prstGeom>
+        </p:spPr>
+        <p:style>
+          <a:lnRef idx="2">
+            <a:schemeClr val="accent1">
+              <a:shade val="50000"/>
+            </a:schemeClr>
+          </a:lnRef>
+          <a:fillRef idx="1">
+            <a:schemeClr val="accent1"/>
+          </a:fillRef>
+          <a:effectRef idx="0">
+            <a:schemeClr val="accent1"/>
+          </a:effectRef>
+          <a:fontRef idx="minor">
+            <a:schemeClr val="lt1"/>
+          </a:fontRef>
+        </p:style>
+        <p:txBody>
+          <a:bodyPr rtlCol="0" anchor="ctr"/>
+          <a:lstStyle/>
+          <a:p>
+            <a:pPr algn="ctr"/>
+            <a:endParaRPr lang="en-US"/>
+          </a:p>
+        </p:txBody>
+      </p:sp>
+      <p:sp>
+        <p:nvSpPr>
+          <p:cNvPr id="20" name="TextBox 19">
+            <a:extLst>
+              <a:ext uri="{FF2B5EF4-FFF2-40B4-BE49-F238E27FC236}">
+                <a16:creationId xmlns:a16="http://schemas.microsoft.com/office/drawing/2014/main" id="{0911CB9F-3A35-416C-A552-7BDB80652B52}"/>
+              </a:ext>
+            </a:extLst>
+          </p:cNvPr>
+          <p:cNvSpPr txBox="1"/>
+          <p:nvPr/>
+        </p:nvSpPr>
+        <p:spPr>
+          <a:xfrm>
+            <a:off x="9355523" y="3661970"/>
+            <a:ext cx="2225334" cy="923330"/>
+          </a:xfrm>
+          <a:prstGeom prst="rect">
+            <a:avLst/>
+          </a:prstGeom>
+          <a:noFill/>
+        </p:spPr>
+        <p:txBody>
+          <a:bodyPr wrap="square" rtlCol="0">
+            <a:spAutoFit/>
+          </a:bodyPr>
+          <a:lstStyle/>
+          <a:p>
+            <a:r>
+              <a:rPr lang="en-US" dirty="0"/>
+              <a:t>Relevance Values relating Movies to the Tags</a:t>
+            </a:r>
+          </a:p>
+        </p:txBody>
+      </p:sp>
+    </p:spTree>
+    <p:extLst>
+      <p:ext uri="{BB962C8B-B14F-4D97-AF65-F5344CB8AC3E}">
+        <p14:creationId xmlns:p14="http://schemas.microsoft.com/office/powerpoint/2010/main" val="1711734631"/>
+      </p:ext>
+    </p:extLst>
+  </p:cSld>
+  <p:clrMapOvr>
+    <a:masterClrMapping/>
+  </p:clrMapOvr>
+</p:sld>
+</file>
+
+<file path=ppt/slides/slide4.xml><?xml version="1.0" encoding="utf-8"?>
+<p:sld xmlns:a="http://schemas.openxmlformats.org/drawingml/2006/main" xmlns:r="http://schemas.openxmlformats.org/officeDocument/2006/relationships" xmlns:p="http://schemas.openxmlformats.org/presentationml/2006/main">
+  <p:cSld>
+    <p:spTree>
+      <p:nvGrpSpPr>
+        <p:cNvPr id="1" name=""/>
+        <p:cNvGrpSpPr/>
+        <p:nvPr/>
+      </p:nvGrpSpPr>
+      <p:grpSpPr>
+        <a:xfrm>
+          <a:off x="0" y="0"/>
+          <a:ext cx="0" cy="0"/>
+          <a:chOff x="0" y="0"/>
+          <a:chExt cx="0" cy="0"/>
+        </a:xfrm>
+      </p:grpSpPr>
+      <p:sp>
+        <p:nvSpPr>
+          <p:cNvPr id="9" name="TextBox 8">
+            <a:extLst>
+              <a:ext uri="{FF2B5EF4-FFF2-40B4-BE49-F238E27FC236}">
+                <a16:creationId xmlns:a16="http://schemas.microsoft.com/office/drawing/2014/main" id="{AC3C848C-37CB-4F48-BD1F-EBFD9B1296F2}"/>
+              </a:ext>
+            </a:extLst>
+          </p:cNvPr>
+          <p:cNvSpPr txBox="1"/>
+          <p:nvPr/>
+        </p:nvSpPr>
+        <p:spPr>
+          <a:xfrm>
+            <a:off x="192948" y="350660"/>
+            <a:ext cx="2116285" cy="400110"/>
+          </a:xfrm>
+          <a:prstGeom prst="rect">
+            <a:avLst/>
+          </a:prstGeom>
+          <a:noFill/>
+        </p:spPr>
+        <p:txBody>
+          <a:bodyPr wrap="none" rtlCol="0">
+            <a:spAutoFit/>
+          </a:bodyPr>
+          <a:lstStyle/>
+          <a:p>
+            <a:r>
+              <a:rPr lang="en-US" sz="2000" b="1" u="sng" dirty="0"/>
+              <a:t>Database Strategy</a:t>
+            </a:r>
+          </a:p>
+        </p:txBody>
+      </p:sp>
+      <p:pic>
+        <p:nvPicPr>
+          <p:cNvPr id="11" name="Picture 10">
+            <a:extLst>
+              <a:ext uri="{FF2B5EF4-FFF2-40B4-BE49-F238E27FC236}">
+                <a16:creationId xmlns:a16="http://schemas.microsoft.com/office/drawing/2014/main" id="{32C4F82D-A011-49A3-9D19-470A2E54F36B}"/>
+              </a:ext>
+            </a:extLst>
+          </p:cNvPr>
+          <p:cNvPicPr>
+            <a:picLocks noChangeAspect="1"/>
+          </p:cNvPicPr>
+          <p:nvPr/>
+        </p:nvPicPr>
+        <p:blipFill>
+          <a:blip r:embed="rId2"/>
+          <a:stretch>
+            <a:fillRect/>
+          </a:stretch>
+        </p:blipFill>
+        <p:spPr>
+          <a:xfrm>
+            <a:off x="5593849" y="543642"/>
+            <a:ext cx="3467806" cy="2770201"/>
+          </a:xfrm>
+          <a:prstGeom prst="rect">
+            <a:avLst/>
+          </a:prstGeom>
+        </p:spPr>
+      </p:pic>
+      <p:sp>
+        <p:nvSpPr>
+          <p:cNvPr id="12" name="TextBox 11">
+            <a:extLst>
+              <a:ext uri="{FF2B5EF4-FFF2-40B4-BE49-F238E27FC236}">
+                <a16:creationId xmlns:a16="http://schemas.microsoft.com/office/drawing/2014/main" id="{FA243E4A-9C16-4D53-9DA2-E397FBAE1318}"/>
+              </a:ext>
+            </a:extLst>
+          </p:cNvPr>
+          <p:cNvSpPr txBox="1"/>
+          <p:nvPr/>
+        </p:nvSpPr>
+        <p:spPr>
+          <a:xfrm>
+            <a:off x="192948" y="922968"/>
+            <a:ext cx="4969566" cy="369332"/>
+          </a:xfrm>
+          <a:prstGeom prst="rect">
+            <a:avLst/>
+          </a:prstGeom>
+          <a:noFill/>
+        </p:spPr>
+        <p:txBody>
+          <a:bodyPr wrap="none" rtlCol="0">
+            <a:spAutoFit/>
+          </a:bodyPr>
+          <a:lstStyle/>
+          <a:p>
+            <a:r>
+              <a:rPr lang="en-US" dirty="0"/>
+              <a:t>SQLite file contains ML output of clustering groups</a:t>
+            </a:r>
+          </a:p>
+        </p:txBody>
+      </p:sp>
+      <p:sp>
+        <p:nvSpPr>
+          <p:cNvPr id="13" name="Arrow: Right 12">
+            <a:extLst>
+              <a:ext uri="{FF2B5EF4-FFF2-40B4-BE49-F238E27FC236}">
+                <a16:creationId xmlns:a16="http://schemas.microsoft.com/office/drawing/2014/main" id="{7F98B405-714E-4F6A-BD23-B1E616FE9713}"/>
+              </a:ext>
+            </a:extLst>
+          </p:cNvPr>
+          <p:cNvSpPr/>
+          <p:nvPr/>
+        </p:nvSpPr>
+        <p:spPr>
+          <a:xfrm>
+            <a:off x="5148174" y="824180"/>
+            <a:ext cx="445675" cy="369332"/>
+          </a:xfrm>
+          <a:prstGeom prst="rightArrow">
+            <a:avLst/>
+          </a:prstGeom>
+        </p:spPr>
+        <p:style>
+          <a:lnRef idx="2">
+            <a:schemeClr val="accent1">
+              <a:shade val="50000"/>
+            </a:schemeClr>
+          </a:lnRef>
+          <a:fillRef idx="1">
+            <a:schemeClr val="accent1"/>
+          </a:fillRef>
+          <a:effectRef idx="0">
+            <a:schemeClr val="accent1"/>
+          </a:effectRef>
+          <a:fontRef idx="minor">
+            <a:schemeClr val="lt1"/>
+          </a:fontRef>
+        </p:style>
+        <p:txBody>
+          <a:bodyPr rtlCol="0" anchor="ctr"/>
+          <a:lstStyle/>
+          <a:p>
+            <a:pPr algn="ctr"/>
+            <a:endParaRPr lang="en-US"/>
+          </a:p>
+        </p:txBody>
+      </p:sp>
+      <p:sp>
+        <p:nvSpPr>
+          <p:cNvPr id="14" name="TextBox 13">
+            <a:extLst>
+              <a:ext uri="{FF2B5EF4-FFF2-40B4-BE49-F238E27FC236}">
+                <a16:creationId xmlns:a16="http://schemas.microsoft.com/office/drawing/2014/main" id="{ED88BC8D-4D5E-4868-9022-18F203E1CBD4}"/>
+              </a:ext>
+            </a:extLst>
+          </p:cNvPr>
+          <p:cNvSpPr txBox="1"/>
+          <p:nvPr/>
+        </p:nvSpPr>
+        <p:spPr>
+          <a:xfrm>
+            <a:off x="192948" y="4177478"/>
+            <a:ext cx="4969566" cy="646331"/>
+          </a:xfrm>
+          <a:prstGeom prst="rect">
+            <a:avLst/>
+          </a:prstGeom>
+          <a:noFill/>
+        </p:spPr>
+        <p:txBody>
+          <a:bodyPr wrap="square" rtlCol="0">
+            <a:spAutoFit/>
+          </a:bodyPr>
+          <a:lstStyle/>
+          <a:p>
+            <a:r>
+              <a:rPr lang="en-US" dirty="0"/>
+              <a:t>SQLite file also contains a summary of ratings like average rating, count of ratings</a:t>
+            </a:r>
+          </a:p>
+        </p:txBody>
+      </p:sp>
+      <p:sp>
+        <p:nvSpPr>
+          <p:cNvPr id="15" name="TextBox 14">
+            <a:extLst>
+              <a:ext uri="{FF2B5EF4-FFF2-40B4-BE49-F238E27FC236}">
+                <a16:creationId xmlns:a16="http://schemas.microsoft.com/office/drawing/2014/main" id="{0402D6D1-61C6-455C-8D75-B42805CB91DB}"/>
+              </a:ext>
+            </a:extLst>
+          </p:cNvPr>
+          <p:cNvSpPr txBox="1"/>
+          <p:nvPr/>
+        </p:nvSpPr>
+        <p:spPr>
+          <a:xfrm>
+            <a:off x="192948" y="5174267"/>
+            <a:ext cx="4969566" cy="646331"/>
+          </a:xfrm>
+          <a:prstGeom prst="rect">
+            <a:avLst/>
+          </a:prstGeom>
+          <a:noFill/>
+        </p:spPr>
+        <p:txBody>
+          <a:bodyPr wrap="square" rtlCol="0">
+            <a:spAutoFit/>
+          </a:bodyPr>
+          <a:lstStyle/>
+          <a:p>
+            <a:r>
+              <a:rPr lang="en-US" dirty="0"/>
+              <a:t>SQLite file also contains a using NLP of user tags from the tags.csv by </a:t>
+            </a:r>
+            <a:r>
+              <a:rPr lang="en-US" dirty="0" err="1"/>
+              <a:t>movieId</a:t>
+            </a:r>
+            <a:r>
+              <a:rPr lang="en-US" dirty="0"/>
+              <a:t> for the word cloud</a:t>
+            </a:r>
+          </a:p>
+        </p:txBody>
+      </p:sp>
+    </p:spTree>
+    <p:extLst>
+      <p:ext uri="{BB962C8B-B14F-4D97-AF65-F5344CB8AC3E}">
+        <p14:creationId xmlns:p14="http://schemas.microsoft.com/office/powerpoint/2010/main" val="932381225"/>
+      </p:ext>
+    </p:extLst>
+  </p:cSld>
+  <p:clrMapOvr>
+    <a:masterClrMapping/>
+  </p:clrMapOvr>
+</p:sld>
+</file>
+
+<file path=ppt/slides/slide5.xml><?xml version="1.0" encoding="utf-8"?>
+<p:sld xmlns:a="http://schemas.openxmlformats.org/drawingml/2006/main" xmlns:r="http://schemas.openxmlformats.org/officeDocument/2006/relationships" xmlns:p="http://schemas.openxmlformats.org/presentationml/2006/main">
+  <p:cSld>
+    <p:spTree>
+      <p:nvGrpSpPr>
+        <p:cNvPr id="1" name=""/>
+        <p:cNvGrpSpPr/>
+        <p:nvPr/>
+      </p:nvGrpSpPr>
+      <p:grpSpPr>
+        <a:xfrm>
+          <a:off x="0" y="0"/>
+          <a:ext cx="0" cy="0"/>
+          <a:chOff x="0" y="0"/>
+          <a:chExt cx="0" cy="0"/>
+        </a:xfrm>
+      </p:grpSpPr>
+      <p:pic>
+        <p:nvPicPr>
+          <p:cNvPr id="5" name="Picture 4">
+            <a:extLst>
+              <a:ext uri="{FF2B5EF4-FFF2-40B4-BE49-F238E27FC236}">
+                <a16:creationId xmlns:a16="http://schemas.microsoft.com/office/drawing/2014/main" id="{069FE907-F4AA-4DB5-8797-368E7DD913A0}"/>
+              </a:ext>
+            </a:extLst>
+          </p:cNvPr>
+          <p:cNvPicPr>
+            <a:picLocks noChangeAspect="1"/>
+          </p:cNvPicPr>
+          <p:nvPr/>
+        </p:nvPicPr>
+        <p:blipFill>
+          <a:blip r:embed="rId2"/>
+          <a:stretch>
+            <a:fillRect/>
+          </a:stretch>
+        </p:blipFill>
+        <p:spPr>
+          <a:xfrm>
+            <a:off x="653143" y="271091"/>
+            <a:ext cx="10234037" cy="6315817"/>
+          </a:xfrm>
+          <a:prstGeom prst="rect">
+            <a:avLst/>
+          </a:prstGeom>
+        </p:spPr>
+      </p:pic>
+      <p:sp>
+        <p:nvSpPr>
+          <p:cNvPr id="15" name="TextBox 14">
+            <a:extLst>
+              <a:ext uri="{FF2B5EF4-FFF2-40B4-BE49-F238E27FC236}">
+                <a16:creationId xmlns:a16="http://schemas.microsoft.com/office/drawing/2014/main" id="{0F2BC419-5704-4FCF-AE2A-C01021D57C68}"/>
+              </a:ext>
+            </a:extLst>
+          </p:cNvPr>
+          <p:cNvSpPr txBox="1"/>
+          <p:nvPr/>
+        </p:nvSpPr>
+        <p:spPr>
+          <a:xfrm>
+            <a:off x="6771242" y="3042967"/>
+            <a:ext cx="4868129" cy="3102980"/>
+          </a:xfrm>
+          <a:prstGeom prst="rect">
+            <a:avLst/>
+          </a:prstGeom>
+          <a:solidFill>
+            <a:schemeClr val="bg1"/>
+          </a:solidFill>
+        </p:spPr>
+        <p:txBody>
+          <a:bodyPr wrap="square" rtlCol="0">
+            <a:spAutoFit/>
+          </a:bodyPr>
+          <a:lstStyle/>
+          <a:p>
+            <a:endParaRPr lang="en-US" dirty="0"/>
+          </a:p>
+        </p:txBody>
+      </p:sp>
+      <p:sp>
+        <p:nvSpPr>
+          <p:cNvPr id="7" name="TextBox 6">
+            <a:extLst>
+              <a:ext uri="{FF2B5EF4-FFF2-40B4-BE49-F238E27FC236}">
+                <a16:creationId xmlns:a16="http://schemas.microsoft.com/office/drawing/2014/main" id="{D084A35C-6828-4C1B-A2BF-DCA7E32536CA}"/>
+              </a:ext>
+            </a:extLst>
+          </p:cNvPr>
+          <p:cNvSpPr txBox="1"/>
+          <p:nvPr/>
+        </p:nvSpPr>
+        <p:spPr>
+          <a:xfrm>
+            <a:off x="780175" y="2323749"/>
+            <a:ext cx="10452683" cy="707886"/>
+          </a:xfrm>
+          <a:prstGeom prst="rect">
+            <a:avLst/>
+          </a:prstGeom>
+          <a:solidFill>
+            <a:schemeClr val="bg1"/>
+          </a:solidFill>
+        </p:spPr>
+        <p:txBody>
+          <a:bodyPr wrap="square" rtlCol="0">
+            <a:spAutoFit/>
+          </a:bodyPr>
+          <a:lstStyle/>
+          <a:p>
+            <a:r>
+              <a:rPr lang="en-US" sz="2000" dirty="0"/>
+              <a:t>Using </a:t>
+            </a:r>
+            <a:r>
+              <a:rPr lang="en-US" sz="2000" dirty="0" err="1"/>
+              <a:t>MovieLens</a:t>
+            </a:r>
+            <a:r>
+              <a:rPr lang="en-US" sz="2000" dirty="0"/>
+              <a:t> dataset a </a:t>
+            </a:r>
+            <a:r>
+              <a:rPr lang="en-US" sz="2000" dirty="0" err="1"/>
+              <a:t>kmeans</a:t>
+            </a:r>
+            <a:r>
+              <a:rPr lang="en-US" sz="2000" dirty="0"/>
+              <a:t> clustering was performed to group movies by their genome tag scoring…..</a:t>
+            </a:r>
+          </a:p>
+        </p:txBody>
+      </p:sp>
+      <p:pic>
+        <p:nvPicPr>
+          <p:cNvPr id="9" name="Picture 8">
+            <a:extLst>
+              <a:ext uri="{FF2B5EF4-FFF2-40B4-BE49-F238E27FC236}">
+                <a16:creationId xmlns:a16="http://schemas.microsoft.com/office/drawing/2014/main" id="{F2556855-C765-4404-ABD0-47863B0E214E}"/>
+              </a:ext>
+            </a:extLst>
+          </p:cNvPr>
+          <p:cNvPicPr>
+            <a:picLocks noChangeAspect="1"/>
+          </p:cNvPicPr>
+          <p:nvPr/>
+        </p:nvPicPr>
+        <p:blipFill>
+          <a:blip r:embed="rId3"/>
+          <a:stretch>
+            <a:fillRect/>
+          </a:stretch>
+        </p:blipFill>
+        <p:spPr>
+          <a:xfrm>
+            <a:off x="6708792" y="3752115"/>
+            <a:ext cx="4930579" cy="1551965"/>
+          </a:xfrm>
+          <a:prstGeom prst="rect">
+            <a:avLst/>
+          </a:prstGeom>
+        </p:spPr>
+      </p:pic>
+      <p:sp>
+        <p:nvSpPr>
+          <p:cNvPr id="12" name="TextBox 11">
+            <a:extLst>
+              <a:ext uri="{FF2B5EF4-FFF2-40B4-BE49-F238E27FC236}">
+                <a16:creationId xmlns:a16="http://schemas.microsoft.com/office/drawing/2014/main" id="{9AB66DF4-725D-4ADE-860A-E8B125C71DED}"/>
+              </a:ext>
+            </a:extLst>
+          </p:cNvPr>
+          <p:cNvSpPr txBox="1"/>
+          <p:nvPr/>
+        </p:nvSpPr>
+        <p:spPr>
+          <a:xfrm>
+            <a:off x="11279586" y="1592744"/>
+            <a:ext cx="2696787" cy="1200329"/>
+          </a:xfrm>
+          <a:prstGeom prst="rect">
+            <a:avLst/>
+          </a:prstGeom>
+          <a:noFill/>
+        </p:spPr>
+        <p:txBody>
+          <a:bodyPr wrap="square" rtlCol="0">
+            <a:spAutoFit/>
+          </a:bodyPr>
+          <a:lstStyle/>
+          <a:p>
+            <a:r>
+              <a:rPr lang="en-US" dirty="0"/>
+              <a:t>D3 </a:t>
+            </a:r>
+            <a:r>
+              <a:rPr lang="en-US" dirty="0" err="1"/>
+              <a:t>wordcloud</a:t>
+            </a:r>
+            <a:r>
+              <a:rPr lang="en-US" dirty="0"/>
+              <a:t> using </a:t>
+            </a:r>
+            <a:r>
+              <a:rPr lang="en-US" dirty="0" err="1"/>
+              <a:t>movieid</a:t>
+            </a:r>
+            <a:r>
+              <a:rPr lang="en-US" dirty="0"/>
+              <a:t> and tags.csv</a:t>
+            </a:r>
+          </a:p>
+          <a:p>
+            <a:r>
+              <a:rPr lang="en-US" dirty="0"/>
+              <a:t>Updates with selection of each movie in pareto</a:t>
+            </a:r>
+          </a:p>
+        </p:txBody>
+      </p:sp>
+      <p:sp>
+        <p:nvSpPr>
+          <p:cNvPr id="14" name="Arrow: Down 13">
+            <a:extLst>
+              <a:ext uri="{FF2B5EF4-FFF2-40B4-BE49-F238E27FC236}">
+                <a16:creationId xmlns:a16="http://schemas.microsoft.com/office/drawing/2014/main" id="{F47D622E-535B-4CFA-B464-D52C4820D474}"/>
+              </a:ext>
+            </a:extLst>
+          </p:cNvPr>
+          <p:cNvSpPr/>
+          <p:nvPr/>
+        </p:nvSpPr>
+        <p:spPr>
+          <a:xfrm rot="2752146">
+            <a:off x="11033457" y="2601342"/>
+            <a:ext cx="398804" cy="1418602"/>
+          </a:xfrm>
+          <a:prstGeom prst="downArrow">
+            <a:avLst/>
+          </a:prstGeom>
+        </p:spPr>
+        <p:style>
+          <a:lnRef idx="2">
+            <a:schemeClr val="accent1">
+              <a:shade val="50000"/>
+            </a:schemeClr>
+          </a:lnRef>
+          <a:fillRef idx="1">
+            <a:schemeClr val="accent1"/>
+          </a:fillRef>
+          <a:effectRef idx="0">
+            <a:schemeClr val="accent1"/>
+          </a:effectRef>
+          <a:fontRef idx="minor">
+            <a:schemeClr val="lt1"/>
+          </a:fontRef>
+        </p:style>
+        <p:txBody>
+          <a:bodyPr rtlCol="0" anchor="ctr"/>
+          <a:lstStyle/>
+          <a:p>
+            <a:pPr algn="ctr"/>
+            <a:endParaRPr lang="en-US"/>
+          </a:p>
+        </p:txBody>
+      </p:sp>
+      <p:sp>
+        <p:nvSpPr>
           <p:cNvPr id="16" name="TextBox 15">
             <a:extLst>
               <a:ext uri="{FF2B5EF4-FFF2-40B4-BE49-F238E27FC236}">
@@ -4065,6 +5748,87 @@
           <a:xfrm rot="8639700">
             <a:off x="1348971" y="5238961"/>
             <a:ext cx="419686" cy="848752"/>
+          </a:xfrm>
+          <a:prstGeom prst="downArrow">
+            <a:avLst/>
+          </a:prstGeom>
+        </p:spPr>
+        <p:style>
+          <a:lnRef idx="2">
+            <a:schemeClr val="accent1">
+              <a:shade val="50000"/>
+            </a:schemeClr>
+          </a:lnRef>
+          <a:fillRef idx="1">
+            <a:schemeClr val="accent1"/>
+          </a:fillRef>
+          <a:effectRef idx="0">
+            <a:schemeClr val="accent1"/>
+          </a:effectRef>
+          <a:fontRef idx="minor">
+            <a:schemeClr val="lt1"/>
+          </a:fontRef>
+        </p:style>
+        <p:txBody>
+          <a:bodyPr rtlCol="0" anchor="ctr"/>
+          <a:lstStyle/>
+          <a:p>
+            <a:pPr algn="ctr"/>
+            <a:endParaRPr lang="en-US"/>
+          </a:p>
+        </p:txBody>
+      </p:sp>
+      <p:sp>
+        <p:nvSpPr>
+          <p:cNvPr id="2" name="TextBox 1">
+            <a:extLst>
+              <a:ext uri="{FF2B5EF4-FFF2-40B4-BE49-F238E27FC236}">
+                <a16:creationId xmlns:a16="http://schemas.microsoft.com/office/drawing/2014/main" id="{0E2956E0-B42B-4168-A55C-D568A505E19F}"/>
+              </a:ext>
+            </a:extLst>
+          </p:cNvPr>
+          <p:cNvSpPr txBox="1"/>
+          <p:nvPr/>
+        </p:nvSpPr>
+        <p:spPr>
+          <a:xfrm>
+            <a:off x="4169035" y="5295080"/>
+            <a:ext cx="2330703" cy="369332"/>
+          </a:xfrm>
+          <a:prstGeom prst="rect">
+            <a:avLst/>
+          </a:prstGeom>
+          <a:noFill/>
+        </p:spPr>
+        <p:txBody>
+          <a:bodyPr wrap="none" rtlCol="0">
+            <a:spAutoFit/>
+          </a:bodyPr>
+          <a:lstStyle/>
+          <a:p>
+            <a:r>
+              <a:rPr lang="en-US" dirty="0"/>
+              <a:t>Change to Movie Titles</a:t>
+            </a:r>
+          </a:p>
+        </p:txBody>
+      </p:sp>
+      <p:sp>
+        <p:nvSpPr>
+          <p:cNvPr id="21" name="Arrow: Down 20">
+            <a:extLst>
+              <a:ext uri="{FF2B5EF4-FFF2-40B4-BE49-F238E27FC236}">
+                <a16:creationId xmlns:a16="http://schemas.microsoft.com/office/drawing/2014/main" id="{17AC59C3-7921-4DCA-8890-6EC7D477F7D5}"/>
+              </a:ext>
+            </a:extLst>
+          </p:cNvPr>
+          <p:cNvSpPr/>
+          <p:nvPr/>
+        </p:nvSpPr>
+        <p:spPr>
+          <a:xfrm rot="7494227">
+            <a:off x="3266390" y="3944263"/>
+            <a:ext cx="419686" cy="1745819"/>
           </a:xfrm>
           <a:prstGeom prst="downArrow">
             <a:avLst/>
